--- a/가계부시스템 도메인모델,유스케이스.pptx
+++ b/가계부시스템 도메인모델,유스케이스.pptx
@@ -271,7 +271,7 @@
           <a:p>
             <a:fld id="{660FFCD6-4708-4ECD-84C9-87A0F99108FA}" type="datetimeFigureOut">
               <a:rPr lang="ko-KR" altLang="en-US" smtClean="0"/>
-              <a:t>2022-03-11</a:t>
+              <a:t>2022-03-12</a:t>
             </a:fld>
             <a:endParaRPr lang="ko-KR" altLang="en-US"/>
           </a:p>
@@ -469,7 +469,7 @@
           <a:p>
             <a:fld id="{660FFCD6-4708-4ECD-84C9-87A0F99108FA}" type="datetimeFigureOut">
               <a:rPr lang="ko-KR" altLang="en-US" smtClean="0"/>
-              <a:t>2022-03-11</a:t>
+              <a:t>2022-03-12</a:t>
             </a:fld>
             <a:endParaRPr lang="ko-KR" altLang="en-US"/>
           </a:p>
@@ -677,7 +677,7 @@
           <a:p>
             <a:fld id="{660FFCD6-4708-4ECD-84C9-87A0F99108FA}" type="datetimeFigureOut">
               <a:rPr lang="ko-KR" altLang="en-US" smtClean="0"/>
-              <a:t>2022-03-11</a:t>
+              <a:t>2022-03-12</a:t>
             </a:fld>
             <a:endParaRPr lang="ko-KR" altLang="en-US"/>
           </a:p>
@@ -875,7 +875,7 @@
           <a:p>
             <a:fld id="{660FFCD6-4708-4ECD-84C9-87A0F99108FA}" type="datetimeFigureOut">
               <a:rPr lang="ko-KR" altLang="en-US" smtClean="0"/>
-              <a:t>2022-03-11</a:t>
+              <a:t>2022-03-12</a:t>
             </a:fld>
             <a:endParaRPr lang="ko-KR" altLang="en-US"/>
           </a:p>
@@ -1150,7 +1150,7 @@
           <a:p>
             <a:fld id="{660FFCD6-4708-4ECD-84C9-87A0F99108FA}" type="datetimeFigureOut">
               <a:rPr lang="ko-KR" altLang="en-US" smtClean="0"/>
-              <a:t>2022-03-11</a:t>
+              <a:t>2022-03-12</a:t>
             </a:fld>
             <a:endParaRPr lang="ko-KR" altLang="en-US"/>
           </a:p>
@@ -1415,7 +1415,7 @@
           <a:p>
             <a:fld id="{660FFCD6-4708-4ECD-84C9-87A0F99108FA}" type="datetimeFigureOut">
               <a:rPr lang="ko-KR" altLang="en-US" smtClean="0"/>
-              <a:t>2022-03-11</a:t>
+              <a:t>2022-03-12</a:t>
             </a:fld>
             <a:endParaRPr lang="ko-KR" altLang="en-US"/>
           </a:p>
@@ -1827,7 +1827,7 @@
           <a:p>
             <a:fld id="{660FFCD6-4708-4ECD-84C9-87A0F99108FA}" type="datetimeFigureOut">
               <a:rPr lang="ko-KR" altLang="en-US" smtClean="0"/>
-              <a:t>2022-03-11</a:t>
+              <a:t>2022-03-12</a:t>
             </a:fld>
             <a:endParaRPr lang="ko-KR" altLang="en-US"/>
           </a:p>
@@ -1968,7 +1968,7 @@
           <a:p>
             <a:fld id="{660FFCD6-4708-4ECD-84C9-87A0F99108FA}" type="datetimeFigureOut">
               <a:rPr lang="ko-KR" altLang="en-US" smtClean="0"/>
-              <a:t>2022-03-11</a:t>
+              <a:t>2022-03-12</a:t>
             </a:fld>
             <a:endParaRPr lang="ko-KR" altLang="en-US"/>
           </a:p>
@@ -2081,7 +2081,7 @@
           <a:p>
             <a:fld id="{660FFCD6-4708-4ECD-84C9-87A0F99108FA}" type="datetimeFigureOut">
               <a:rPr lang="ko-KR" altLang="en-US" smtClean="0"/>
-              <a:t>2022-03-11</a:t>
+              <a:t>2022-03-12</a:t>
             </a:fld>
             <a:endParaRPr lang="ko-KR" altLang="en-US"/>
           </a:p>
@@ -2392,7 +2392,7 @@
           <a:p>
             <a:fld id="{660FFCD6-4708-4ECD-84C9-87A0F99108FA}" type="datetimeFigureOut">
               <a:rPr lang="ko-KR" altLang="en-US" smtClean="0"/>
-              <a:t>2022-03-11</a:t>
+              <a:t>2022-03-12</a:t>
             </a:fld>
             <a:endParaRPr lang="ko-KR" altLang="en-US"/>
           </a:p>
@@ -2680,7 +2680,7 @@
           <a:p>
             <a:fld id="{660FFCD6-4708-4ECD-84C9-87A0F99108FA}" type="datetimeFigureOut">
               <a:rPr lang="ko-KR" altLang="en-US" smtClean="0"/>
-              <a:t>2022-03-11</a:t>
+              <a:t>2022-03-12</a:t>
             </a:fld>
             <a:endParaRPr lang="ko-KR" altLang="en-US"/>
           </a:p>
@@ -2921,7 +2921,7 @@
           <a:p>
             <a:fld id="{660FFCD6-4708-4ECD-84C9-87A0F99108FA}" type="datetimeFigureOut">
               <a:rPr lang="ko-KR" altLang="en-US" smtClean="0"/>
-              <a:t>2022-03-11</a:t>
+              <a:t>2022-03-12</a:t>
             </a:fld>
             <a:endParaRPr lang="ko-KR" altLang="en-US"/>
           </a:p>
@@ -4280,26 +4280,1634 @@
           <a:chExt cx="0" cy="0"/>
         </a:xfrm>
       </p:grpSpPr>
+      <p:graphicFrame>
+        <p:nvGraphicFramePr>
+          <p:cNvPr id="39" name="표 39">
+            <a:extLst>
+              <a:ext uri="{FF2B5EF4-FFF2-40B4-BE49-F238E27FC236}">
+                <a16:creationId xmlns:a16="http://schemas.microsoft.com/office/drawing/2014/main" id="{7AF8B48F-A6C6-42CB-A481-4363D5D4FBAB}"/>
+              </a:ext>
+            </a:extLst>
+          </p:cNvPr>
+          <p:cNvGraphicFramePr>
+            <a:graphicFrameLocks noGrp="1"/>
+          </p:cNvGraphicFramePr>
+          <p:nvPr>
+            <p:extLst>
+              <p:ext uri="{D42A27DB-BD31-4B8C-83A1-F6EECF244321}">
+                <p14:modId xmlns:p14="http://schemas.microsoft.com/office/powerpoint/2010/main" val="2350930212"/>
+              </p:ext>
+            </p:extLst>
+          </p:nvPr>
+        </p:nvGraphicFramePr>
+        <p:xfrm>
+          <a:off x="3026754" y="261682"/>
+          <a:ext cx="1044000" cy="1521620"/>
+        </p:xfrm>
+        <a:graphic>
+          <a:graphicData uri="http://schemas.openxmlformats.org/drawingml/2006/table">
+            <a:tbl>
+              <a:tblPr firstRow="1" bandRow="1">
+                <a:tableStyleId>{5C22544A-7EE6-4342-B048-85BDC9FD1C3A}</a:tableStyleId>
+              </a:tblPr>
+              <a:tblGrid>
+                <a:gridCol w="1044000">
+                  <a:extLst>
+                    <a:ext uri="{9D8B030D-6E8A-4147-A177-3AD203B41FA5}">
+                      <a16:colId xmlns:a16="http://schemas.microsoft.com/office/drawing/2014/main" val="1554169727"/>
+                    </a:ext>
+                  </a:extLst>
+                </a:gridCol>
+              </a:tblGrid>
+              <a:tr h="224631">
+                <a:tc>
+                  <a:txBody>
+                    <a:bodyPr/>
+                    <a:lstStyle/>
+                    <a:p>
+                      <a:pPr algn="ctr" latinLnBrk="1"/>
+                      <a:r>
+                        <a:rPr lang="ko-KR" altLang="en-US" sz="1000" dirty="0"/>
+                        <a:t>연 가계부</a:t>
+                      </a:r>
+                    </a:p>
+                  </a:txBody>
+                  <a:tcPr/>
+                </a:tc>
+                <a:extLst>
+                  <a:ext uri="{0D108BD9-81ED-4DB2-BD59-A6C34878D82A}">
+                    <a16:rowId xmlns:a16="http://schemas.microsoft.com/office/drawing/2014/main" val="506285849"/>
+                  </a:ext>
+                </a:extLst>
+              </a:tr>
+              <a:tr h="224631">
+                <a:tc>
+                  <a:txBody>
+                    <a:bodyPr/>
+                    <a:lstStyle/>
+                    <a:p>
+                      <a:pPr algn="ctr" latinLnBrk="1"/>
+                      <a:r>
+                        <a:rPr lang="ko-KR" altLang="en-US" sz="1000" dirty="0"/>
+                        <a:t>소유주</a:t>
+                      </a:r>
+                    </a:p>
+                  </a:txBody>
+                  <a:tcPr>
+                    <a:solidFill>
+                      <a:srgbClr val="00B0F0"/>
+                    </a:solidFill>
+                  </a:tcPr>
+                </a:tc>
+                <a:extLst>
+                  <a:ext uri="{0D108BD9-81ED-4DB2-BD59-A6C34878D82A}">
+                    <a16:rowId xmlns:a16="http://schemas.microsoft.com/office/drawing/2014/main" val="2885099260"/>
+                  </a:ext>
+                </a:extLst>
+              </a:tr>
+              <a:tr h="258485">
+                <a:tc>
+                  <a:txBody>
+                    <a:bodyPr/>
+                    <a:lstStyle/>
+                    <a:p>
+                      <a:pPr algn="ctr" latinLnBrk="1"/>
+                      <a:r>
+                        <a:rPr lang="ko-KR" altLang="en-US" sz="1000" dirty="0"/>
+                        <a:t>특정 연 수입</a:t>
+                      </a:r>
+                    </a:p>
+                  </a:txBody>
+                  <a:tcPr>
+                    <a:solidFill>
+                      <a:srgbClr val="92D050"/>
+                    </a:solidFill>
+                  </a:tcPr>
+                </a:tc>
+                <a:extLst>
+                  <a:ext uri="{0D108BD9-81ED-4DB2-BD59-A6C34878D82A}">
+                    <a16:rowId xmlns:a16="http://schemas.microsoft.com/office/drawing/2014/main" val="1695620317"/>
+                  </a:ext>
+                </a:extLst>
+              </a:tr>
+              <a:tr h="258485">
+                <a:tc>
+                  <a:txBody>
+                    <a:bodyPr/>
+                    <a:lstStyle/>
+                    <a:p>
+                      <a:pPr algn="ctr" latinLnBrk="1"/>
+                      <a:r>
+                        <a:rPr lang="ko-KR" altLang="en-US" sz="1000" dirty="0"/>
+                        <a:t>특정 연 지출</a:t>
+                      </a:r>
+                      <a:endParaRPr lang="en-US" altLang="ko-KR" sz="1000" dirty="0"/>
+                    </a:p>
+                  </a:txBody>
+                  <a:tcPr>
+                    <a:solidFill>
+                      <a:srgbClr val="92D050"/>
+                    </a:solidFill>
+                  </a:tcPr>
+                </a:tc>
+                <a:extLst>
+                  <a:ext uri="{0D108BD9-81ED-4DB2-BD59-A6C34878D82A}">
+                    <a16:rowId xmlns:a16="http://schemas.microsoft.com/office/drawing/2014/main" val="4047485892"/>
+                  </a:ext>
+                </a:extLst>
+              </a:tr>
+              <a:tr h="258485">
+                <a:tc>
+                  <a:txBody>
+                    <a:bodyPr/>
+                    <a:lstStyle/>
+                    <a:p>
+                      <a:pPr algn="ctr" latinLnBrk="1"/>
+                      <a:r>
+                        <a:rPr lang="ko-KR" altLang="en-US" sz="1000" dirty="0"/>
+                        <a:t>특정 연 합계</a:t>
+                      </a:r>
+                    </a:p>
+                  </a:txBody>
+                  <a:tcPr>
+                    <a:solidFill>
+                      <a:srgbClr val="92D050"/>
+                    </a:solidFill>
+                  </a:tcPr>
+                </a:tc>
+                <a:extLst>
+                  <a:ext uri="{0D108BD9-81ED-4DB2-BD59-A6C34878D82A}">
+                    <a16:rowId xmlns:a16="http://schemas.microsoft.com/office/drawing/2014/main" val="2358193641"/>
+                  </a:ext>
+                </a:extLst>
+              </a:tr>
+              <a:tr h="258485">
+                <a:tc>
+                  <a:txBody>
+                    <a:bodyPr/>
+                    <a:lstStyle/>
+                    <a:p>
+                      <a:pPr algn="ctr" latinLnBrk="1"/>
+                      <a:r>
+                        <a:rPr lang="ko-KR" altLang="en-US" sz="1000" dirty="0"/>
+                        <a:t>특정 연 통계</a:t>
+                      </a:r>
+                    </a:p>
+                  </a:txBody>
+                  <a:tcPr>
+                    <a:solidFill>
+                      <a:srgbClr val="92D050"/>
+                    </a:solidFill>
+                  </a:tcPr>
+                </a:tc>
+                <a:extLst>
+                  <a:ext uri="{0D108BD9-81ED-4DB2-BD59-A6C34878D82A}">
+                    <a16:rowId xmlns:a16="http://schemas.microsoft.com/office/drawing/2014/main" val="2078716110"/>
+                  </a:ext>
+                </a:extLst>
+              </a:tr>
+            </a:tbl>
+          </a:graphicData>
+        </a:graphic>
+      </p:graphicFrame>
+      <p:graphicFrame>
+        <p:nvGraphicFramePr>
+          <p:cNvPr id="41" name="표 39">
+            <a:extLst>
+              <a:ext uri="{FF2B5EF4-FFF2-40B4-BE49-F238E27FC236}">
+                <a16:creationId xmlns:a16="http://schemas.microsoft.com/office/drawing/2014/main" id="{DECA8CBA-58CC-4D9A-A858-214D85ADCB4B}"/>
+              </a:ext>
+            </a:extLst>
+          </p:cNvPr>
+          <p:cNvGraphicFramePr>
+            <a:graphicFrameLocks noGrp="1"/>
+          </p:cNvGraphicFramePr>
+          <p:nvPr>
+            <p:extLst>
+              <p:ext uri="{D42A27DB-BD31-4B8C-83A1-F6EECF244321}">
+                <p14:modId xmlns:p14="http://schemas.microsoft.com/office/powerpoint/2010/main" val="1669482960"/>
+              </p:ext>
+            </p:extLst>
+          </p:nvPr>
+        </p:nvGraphicFramePr>
+        <p:xfrm>
+          <a:off x="3026754" y="1862939"/>
+          <a:ext cx="1044000" cy="1483200"/>
+        </p:xfrm>
+        <a:graphic>
+          <a:graphicData uri="http://schemas.openxmlformats.org/drawingml/2006/table">
+            <a:tbl>
+              <a:tblPr firstRow="1" bandRow="1">
+                <a:tableStyleId>{5C22544A-7EE6-4342-B048-85BDC9FD1C3A}</a:tableStyleId>
+              </a:tblPr>
+              <a:tblGrid>
+                <a:gridCol w="1044000">
+                  <a:extLst>
+                    <a:ext uri="{9D8B030D-6E8A-4147-A177-3AD203B41FA5}">
+                      <a16:colId xmlns:a16="http://schemas.microsoft.com/office/drawing/2014/main" val="1554169727"/>
+                    </a:ext>
+                  </a:extLst>
+                </a:gridCol>
+              </a:tblGrid>
+              <a:tr h="247200">
+                <a:tc>
+                  <a:txBody>
+                    <a:bodyPr/>
+                    <a:lstStyle/>
+                    <a:p>
+                      <a:pPr algn="ctr" latinLnBrk="1"/>
+                      <a:r>
+                        <a:rPr lang="ko-KR" altLang="en-US" sz="1000" dirty="0"/>
+                        <a:t>월 가계부</a:t>
+                      </a:r>
+                    </a:p>
+                  </a:txBody>
+                  <a:tcPr/>
+                </a:tc>
+                <a:extLst>
+                  <a:ext uri="{0D108BD9-81ED-4DB2-BD59-A6C34878D82A}">
+                    <a16:rowId xmlns:a16="http://schemas.microsoft.com/office/drawing/2014/main" val="506285849"/>
+                  </a:ext>
+                </a:extLst>
+              </a:tr>
+              <a:tr h="247200">
+                <a:tc>
+                  <a:txBody>
+                    <a:bodyPr/>
+                    <a:lstStyle/>
+                    <a:p>
+                      <a:pPr algn="ctr" latinLnBrk="1"/>
+                      <a:r>
+                        <a:rPr lang="ko-KR" altLang="en-US" sz="1000" dirty="0"/>
+                        <a:t>소유주</a:t>
+                      </a:r>
+                    </a:p>
+                  </a:txBody>
+                  <a:tcPr>
+                    <a:solidFill>
+                      <a:srgbClr val="00B0F0"/>
+                    </a:solidFill>
+                  </a:tcPr>
+                </a:tc>
+                <a:extLst>
+                  <a:ext uri="{0D108BD9-81ED-4DB2-BD59-A6C34878D82A}">
+                    <a16:rowId xmlns:a16="http://schemas.microsoft.com/office/drawing/2014/main" val="2018535173"/>
+                  </a:ext>
+                </a:extLst>
+              </a:tr>
+              <a:tr h="247200">
+                <a:tc>
+                  <a:txBody>
+                    <a:bodyPr/>
+                    <a:lstStyle/>
+                    <a:p>
+                      <a:pPr algn="ctr" latinLnBrk="1"/>
+                      <a:r>
+                        <a:rPr lang="ko-KR" altLang="en-US" sz="1000" dirty="0"/>
+                        <a:t>특정 달 수입</a:t>
+                      </a:r>
+                    </a:p>
+                  </a:txBody>
+                  <a:tcPr>
+                    <a:solidFill>
+                      <a:srgbClr val="92D050"/>
+                    </a:solidFill>
+                  </a:tcPr>
+                </a:tc>
+                <a:extLst>
+                  <a:ext uri="{0D108BD9-81ED-4DB2-BD59-A6C34878D82A}">
+                    <a16:rowId xmlns:a16="http://schemas.microsoft.com/office/drawing/2014/main" val="1695620317"/>
+                  </a:ext>
+                </a:extLst>
+              </a:tr>
+              <a:tr h="247200">
+                <a:tc>
+                  <a:txBody>
+                    <a:bodyPr/>
+                    <a:lstStyle/>
+                    <a:p>
+                      <a:pPr algn="ctr" latinLnBrk="1"/>
+                      <a:r>
+                        <a:rPr lang="ko-KR" altLang="en-US" sz="1000" dirty="0"/>
+                        <a:t>특정 달 지출</a:t>
+                      </a:r>
+                      <a:endParaRPr lang="en-US" altLang="ko-KR" sz="1000" dirty="0"/>
+                    </a:p>
+                  </a:txBody>
+                  <a:tcPr>
+                    <a:solidFill>
+                      <a:srgbClr val="92D050"/>
+                    </a:solidFill>
+                  </a:tcPr>
+                </a:tc>
+                <a:extLst>
+                  <a:ext uri="{0D108BD9-81ED-4DB2-BD59-A6C34878D82A}">
+                    <a16:rowId xmlns:a16="http://schemas.microsoft.com/office/drawing/2014/main" val="4047485892"/>
+                  </a:ext>
+                </a:extLst>
+              </a:tr>
+              <a:tr h="247200">
+                <a:tc>
+                  <a:txBody>
+                    <a:bodyPr/>
+                    <a:lstStyle/>
+                    <a:p>
+                      <a:pPr algn="ctr" latinLnBrk="1"/>
+                      <a:r>
+                        <a:rPr lang="ko-KR" altLang="en-US" sz="1000" dirty="0"/>
+                        <a:t>특정 달 합계</a:t>
+                      </a:r>
+                    </a:p>
+                  </a:txBody>
+                  <a:tcPr>
+                    <a:solidFill>
+                      <a:srgbClr val="92D050"/>
+                    </a:solidFill>
+                  </a:tcPr>
+                </a:tc>
+                <a:extLst>
+                  <a:ext uri="{0D108BD9-81ED-4DB2-BD59-A6C34878D82A}">
+                    <a16:rowId xmlns:a16="http://schemas.microsoft.com/office/drawing/2014/main" val="2358193641"/>
+                  </a:ext>
+                </a:extLst>
+              </a:tr>
+              <a:tr h="247200">
+                <a:tc>
+                  <a:txBody>
+                    <a:bodyPr/>
+                    <a:lstStyle/>
+                    <a:p>
+                      <a:pPr algn="ctr" latinLnBrk="1"/>
+                      <a:r>
+                        <a:rPr lang="ko-KR" altLang="en-US" sz="1000" dirty="0"/>
+                        <a:t>특정 달 통계</a:t>
+                      </a:r>
+                    </a:p>
+                  </a:txBody>
+                  <a:tcPr>
+                    <a:solidFill>
+                      <a:srgbClr val="92D050"/>
+                    </a:solidFill>
+                  </a:tcPr>
+                </a:tc>
+                <a:extLst>
+                  <a:ext uri="{0D108BD9-81ED-4DB2-BD59-A6C34878D82A}">
+                    <a16:rowId xmlns:a16="http://schemas.microsoft.com/office/drawing/2014/main" val="3619290044"/>
+                  </a:ext>
+                </a:extLst>
+              </a:tr>
+            </a:tbl>
+          </a:graphicData>
+        </a:graphic>
+      </p:graphicFrame>
+      <p:graphicFrame>
+        <p:nvGraphicFramePr>
+          <p:cNvPr id="44" name="표 44">
+            <a:extLst>
+              <a:ext uri="{FF2B5EF4-FFF2-40B4-BE49-F238E27FC236}">
+                <a16:creationId xmlns:a16="http://schemas.microsoft.com/office/drawing/2014/main" id="{A0AE9223-2101-47B9-A308-1CBD3657DA80}"/>
+              </a:ext>
+            </a:extLst>
+          </p:cNvPr>
+          <p:cNvGraphicFramePr>
+            <a:graphicFrameLocks noGrp="1"/>
+          </p:cNvGraphicFramePr>
+          <p:nvPr>
+            <p:extLst>
+              <p:ext uri="{D42A27DB-BD31-4B8C-83A1-F6EECF244321}">
+                <p14:modId xmlns:p14="http://schemas.microsoft.com/office/powerpoint/2010/main" val="2004429194"/>
+              </p:ext>
+            </p:extLst>
+          </p:nvPr>
+        </p:nvGraphicFramePr>
+        <p:xfrm>
+          <a:off x="256545" y="4949729"/>
+          <a:ext cx="1044000" cy="1522800"/>
+        </p:xfrm>
+        <a:graphic>
+          <a:graphicData uri="http://schemas.openxmlformats.org/drawingml/2006/table">
+            <a:tbl>
+              <a:tblPr firstRow="1" bandRow="1">
+                <a:tableStyleId>{5C22544A-7EE6-4342-B048-85BDC9FD1C3A}</a:tableStyleId>
+              </a:tblPr>
+              <a:tblGrid>
+                <a:gridCol w="1044000">
+                  <a:extLst>
+                    <a:ext uri="{9D8B030D-6E8A-4147-A177-3AD203B41FA5}">
+                      <a16:colId xmlns:a16="http://schemas.microsoft.com/office/drawing/2014/main" val="2742736346"/>
+                    </a:ext>
+                  </a:extLst>
+                </a:gridCol>
+              </a:tblGrid>
+              <a:tr h="253800">
+                <a:tc>
+                  <a:txBody>
+                    <a:bodyPr/>
+                    <a:lstStyle/>
+                    <a:p>
+                      <a:pPr algn="ctr" latinLnBrk="1"/>
+                      <a:r>
+                        <a:rPr lang="ko-KR" altLang="en-US" sz="1000" dirty="0"/>
+                        <a:t>기록 관리자</a:t>
+                      </a:r>
+                    </a:p>
+                  </a:txBody>
+                  <a:tcPr/>
+                </a:tc>
+                <a:extLst>
+                  <a:ext uri="{0D108BD9-81ED-4DB2-BD59-A6C34878D82A}">
+                    <a16:rowId xmlns:a16="http://schemas.microsoft.com/office/drawing/2014/main" val="3079763944"/>
+                  </a:ext>
+                </a:extLst>
+              </a:tr>
+              <a:tr h="253800">
+                <a:tc>
+                  <a:txBody>
+                    <a:bodyPr/>
+                    <a:lstStyle/>
+                    <a:p>
+                      <a:pPr algn="ctr" latinLnBrk="1"/>
+                      <a:r>
+                        <a:rPr lang="ko-KR" altLang="en-US" sz="1000" dirty="0"/>
+                        <a:t>소유주</a:t>
+                      </a:r>
+                    </a:p>
+                  </a:txBody>
+                  <a:tcPr>
+                    <a:solidFill>
+                      <a:srgbClr val="00B0F0"/>
+                    </a:solidFill>
+                  </a:tcPr>
+                </a:tc>
+                <a:extLst>
+                  <a:ext uri="{0D108BD9-81ED-4DB2-BD59-A6C34878D82A}">
+                    <a16:rowId xmlns:a16="http://schemas.microsoft.com/office/drawing/2014/main" val="3301066611"/>
+                  </a:ext>
+                </a:extLst>
+              </a:tr>
+              <a:tr h="253800">
+                <a:tc>
+                  <a:txBody>
+                    <a:bodyPr/>
+                    <a:lstStyle/>
+                    <a:p>
+                      <a:pPr algn="ctr" latinLnBrk="1"/>
+                      <a:r>
+                        <a:rPr lang="ko-KR" altLang="en-US" sz="1000" dirty="0"/>
+                        <a:t>기록 생성</a:t>
+                      </a:r>
+                    </a:p>
+                  </a:txBody>
+                  <a:tcPr>
+                    <a:solidFill>
+                      <a:srgbClr val="92D050"/>
+                    </a:solidFill>
+                  </a:tcPr>
+                </a:tc>
+                <a:extLst>
+                  <a:ext uri="{0D108BD9-81ED-4DB2-BD59-A6C34878D82A}">
+                    <a16:rowId xmlns:a16="http://schemas.microsoft.com/office/drawing/2014/main" val="2149161262"/>
+                  </a:ext>
+                </a:extLst>
+              </a:tr>
+              <a:tr h="253800">
+                <a:tc>
+                  <a:txBody>
+                    <a:bodyPr/>
+                    <a:lstStyle/>
+                    <a:p>
+                      <a:pPr algn="ctr" latinLnBrk="1"/>
+                      <a:r>
+                        <a:rPr lang="ko-KR" altLang="en-US" sz="1000" dirty="0"/>
+                        <a:t>기록 수정</a:t>
+                      </a:r>
+                    </a:p>
+                  </a:txBody>
+                  <a:tcPr>
+                    <a:solidFill>
+                      <a:srgbClr val="92D050"/>
+                    </a:solidFill>
+                  </a:tcPr>
+                </a:tc>
+                <a:extLst>
+                  <a:ext uri="{0D108BD9-81ED-4DB2-BD59-A6C34878D82A}">
+                    <a16:rowId xmlns:a16="http://schemas.microsoft.com/office/drawing/2014/main" val="3821065978"/>
+                  </a:ext>
+                </a:extLst>
+              </a:tr>
+              <a:tr h="253800">
+                <a:tc>
+                  <a:txBody>
+                    <a:bodyPr/>
+                    <a:lstStyle/>
+                    <a:p>
+                      <a:pPr algn="ctr" latinLnBrk="1"/>
+                      <a:r>
+                        <a:rPr lang="ko-KR" altLang="en-US" sz="1000" dirty="0"/>
+                        <a:t>기록 삭제</a:t>
+                      </a:r>
+                    </a:p>
+                  </a:txBody>
+                  <a:tcPr>
+                    <a:solidFill>
+                      <a:srgbClr val="92D050"/>
+                    </a:solidFill>
+                  </a:tcPr>
+                </a:tc>
+                <a:extLst>
+                  <a:ext uri="{0D108BD9-81ED-4DB2-BD59-A6C34878D82A}">
+                    <a16:rowId xmlns:a16="http://schemas.microsoft.com/office/drawing/2014/main" val="2110959723"/>
+                  </a:ext>
+                </a:extLst>
+              </a:tr>
+              <a:tr h="253800">
+                <a:tc>
+                  <a:txBody>
+                    <a:bodyPr/>
+                    <a:lstStyle/>
+                    <a:p>
+                      <a:pPr algn="ctr" latinLnBrk="1"/>
+                      <a:r>
+                        <a:rPr lang="ko-KR" altLang="en-US" sz="1000" dirty="0"/>
+                        <a:t>기록 조회</a:t>
+                      </a:r>
+                    </a:p>
+                  </a:txBody>
+                  <a:tcPr>
+                    <a:solidFill>
+                      <a:srgbClr val="92D050"/>
+                    </a:solidFill>
+                  </a:tcPr>
+                </a:tc>
+                <a:extLst>
+                  <a:ext uri="{0D108BD9-81ED-4DB2-BD59-A6C34878D82A}">
+                    <a16:rowId xmlns:a16="http://schemas.microsoft.com/office/drawing/2014/main" val="3814757139"/>
+                  </a:ext>
+                </a:extLst>
+              </a:tr>
+            </a:tbl>
+          </a:graphicData>
+        </a:graphic>
+      </p:graphicFrame>
+      <p:graphicFrame>
+        <p:nvGraphicFramePr>
+          <p:cNvPr id="59" name="표 39">
+            <a:extLst>
+              <a:ext uri="{FF2B5EF4-FFF2-40B4-BE49-F238E27FC236}">
+                <a16:creationId xmlns:a16="http://schemas.microsoft.com/office/drawing/2014/main" id="{6D6BBF8F-7DD7-4378-AA47-9662B7CE1165}"/>
+              </a:ext>
+            </a:extLst>
+          </p:cNvPr>
+          <p:cNvGraphicFramePr>
+            <a:graphicFrameLocks noGrp="1"/>
+          </p:cNvGraphicFramePr>
+          <p:nvPr>
+            <p:extLst>
+              <p:ext uri="{D42A27DB-BD31-4B8C-83A1-F6EECF244321}">
+                <p14:modId xmlns:p14="http://schemas.microsoft.com/office/powerpoint/2010/main" val="802794601"/>
+              </p:ext>
+            </p:extLst>
+          </p:nvPr>
+        </p:nvGraphicFramePr>
+        <p:xfrm>
+          <a:off x="3027632" y="4988775"/>
+          <a:ext cx="1044000" cy="2317306"/>
+        </p:xfrm>
+        <a:graphic>
+          <a:graphicData uri="http://schemas.openxmlformats.org/drawingml/2006/table">
+            <a:tbl>
+              <a:tblPr firstRow="1" bandRow="1">
+                <a:tableStyleId>{5C22544A-7EE6-4342-B048-85BDC9FD1C3A}</a:tableStyleId>
+              </a:tblPr>
+              <a:tblGrid>
+                <a:gridCol w="1044000">
+                  <a:extLst>
+                    <a:ext uri="{9D8B030D-6E8A-4147-A177-3AD203B41FA5}">
+                      <a16:colId xmlns:a16="http://schemas.microsoft.com/office/drawing/2014/main" val="1554169727"/>
+                    </a:ext>
+                  </a:extLst>
+                </a:gridCol>
+              </a:tblGrid>
+              <a:tr h="264835">
+                <a:tc>
+                  <a:txBody>
+                    <a:bodyPr/>
+                    <a:lstStyle/>
+                    <a:p>
+                      <a:pPr algn="ctr" latinLnBrk="1"/>
+                      <a:r>
+                        <a:rPr lang="ko-KR" altLang="en-US" sz="1000" dirty="0"/>
+                        <a:t>자산 관리자</a:t>
+                      </a:r>
+                    </a:p>
+                  </a:txBody>
+                  <a:tcPr/>
+                </a:tc>
+                <a:extLst>
+                  <a:ext uri="{0D108BD9-81ED-4DB2-BD59-A6C34878D82A}">
+                    <a16:rowId xmlns:a16="http://schemas.microsoft.com/office/drawing/2014/main" val="506285849"/>
+                  </a:ext>
+                </a:extLst>
+              </a:tr>
+              <a:tr h="264835">
+                <a:tc>
+                  <a:txBody>
+                    <a:bodyPr/>
+                    <a:lstStyle/>
+                    <a:p>
+                      <a:pPr algn="ctr" latinLnBrk="1"/>
+                      <a:r>
+                        <a:rPr lang="ko-KR" altLang="en-US" sz="1000" dirty="0"/>
+                        <a:t>소유주</a:t>
+                      </a:r>
+                    </a:p>
+                  </a:txBody>
+                  <a:tcPr>
+                    <a:solidFill>
+                      <a:srgbClr val="00B0F0"/>
+                    </a:solidFill>
+                  </a:tcPr>
+                </a:tc>
+                <a:extLst>
+                  <a:ext uri="{0D108BD9-81ED-4DB2-BD59-A6C34878D82A}">
+                    <a16:rowId xmlns:a16="http://schemas.microsoft.com/office/drawing/2014/main" val="423972439"/>
+                  </a:ext>
+                </a:extLst>
+              </a:tr>
+              <a:tr h="264835">
+                <a:tc>
+                  <a:txBody>
+                    <a:bodyPr/>
+                    <a:lstStyle/>
+                    <a:p>
+                      <a:pPr algn="ctr" latinLnBrk="1"/>
+                      <a:r>
+                        <a:rPr lang="ko-KR" altLang="en-US" sz="1000" dirty="0"/>
+                        <a:t>총 자산 가치</a:t>
+                      </a:r>
+                    </a:p>
+                  </a:txBody>
+                  <a:tcPr>
+                    <a:solidFill>
+                      <a:srgbClr val="92D050"/>
+                    </a:solidFill>
+                  </a:tcPr>
+                </a:tc>
+                <a:extLst>
+                  <a:ext uri="{0D108BD9-81ED-4DB2-BD59-A6C34878D82A}">
+                    <a16:rowId xmlns:a16="http://schemas.microsoft.com/office/drawing/2014/main" val="1695620317"/>
+                  </a:ext>
+                </a:extLst>
+              </a:tr>
+              <a:tr h="463461">
+                <a:tc>
+                  <a:txBody>
+                    <a:bodyPr/>
+                    <a:lstStyle/>
+                    <a:p>
+                      <a:pPr algn="ctr" latinLnBrk="1"/>
+                      <a:r>
+                        <a:rPr lang="ko-KR" altLang="en-US" sz="1000" dirty="0"/>
+                        <a:t>자산 가치 변화 통계</a:t>
+                      </a:r>
+                      <a:endParaRPr lang="en-US" altLang="ko-KR" sz="1000" dirty="0"/>
+                    </a:p>
+                  </a:txBody>
+                  <a:tcPr>
+                    <a:solidFill>
+                      <a:srgbClr val="92D050"/>
+                    </a:solidFill>
+                  </a:tcPr>
+                </a:tc>
+                <a:extLst>
+                  <a:ext uri="{0D108BD9-81ED-4DB2-BD59-A6C34878D82A}">
+                    <a16:rowId xmlns:a16="http://schemas.microsoft.com/office/drawing/2014/main" val="4047485892"/>
+                  </a:ext>
+                </a:extLst>
+              </a:tr>
+              <a:tr h="264835">
+                <a:tc>
+                  <a:txBody>
+                    <a:bodyPr/>
+                    <a:lstStyle/>
+                    <a:p>
+                      <a:pPr algn="ctr" latinLnBrk="1"/>
+                      <a:r>
+                        <a:rPr lang="ko-KR" altLang="en-US" sz="1000" dirty="0"/>
+                        <a:t>연별 합계</a:t>
+                      </a:r>
+                    </a:p>
+                  </a:txBody>
+                  <a:tcPr>
+                    <a:solidFill>
+                      <a:srgbClr val="92D050"/>
+                    </a:solidFill>
+                  </a:tcPr>
+                </a:tc>
+                <a:extLst>
+                  <a:ext uri="{0D108BD9-81ED-4DB2-BD59-A6C34878D82A}">
+                    <a16:rowId xmlns:a16="http://schemas.microsoft.com/office/drawing/2014/main" val="2358193641"/>
+                  </a:ext>
+                </a:extLst>
+              </a:tr>
+              <a:tr h="264835">
+                <a:tc>
+                  <a:txBody>
+                    <a:bodyPr/>
+                    <a:lstStyle/>
+                    <a:p>
+                      <a:pPr algn="ctr" latinLnBrk="1"/>
+                      <a:r>
+                        <a:rPr lang="ko-KR" altLang="en-US" sz="1000" dirty="0"/>
+                        <a:t>자산 조회</a:t>
+                      </a:r>
+                    </a:p>
+                  </a:txBody>
+                  <a:tcPr>
+                    <a:solidFill>
+                      <a:srgbClr val="92D050"/>
+                    </a:solidFill>
+                  </a:tcPr>
+                </a:tc>
+                <a:extLst>
+                  <a:ext uri="{0D108BD9-81ED-4DB2-BD59-A6C34878D82A}">
+                    <a16:rowId xmlns:a16="http://schemas.microsoft.com/office/drawing/2014/main" val="2331146016"/>
+                  </a:ext>
+                </a:extLst>
+              </a:tr>
+              <a:tr h="264835">
+                <a:tc>
+                  <a:txBody>
+                    <a:bodyPr/>
+                    <a:lstStyle/>
+                    <a:p>
+                      <a:pPr algn="ctr" latinLnBrk="1"/>
+                      <a:r>
+                        <a:rPr lang="ko-KR" altLang="en-US" sz="1000" dirty="0"/>
+                        <a:t>자산 추가</a:t>
+                      </a:r>
+                    </a:p>
+                  </a:txBody>
+                  <a:tcPr>
+                    <a:solidFill>
+                      <a:srgbClr val="92D050"/>
+                    </a:solidFill>
+                  </a:tcPr>
+                </a:tc>
+                <a:extLst>
+                  <a:ext uri="{0D108BD9-81ED-4DB2-BD59-A6C34878D82A}">
+                    <a16:rowId xmlns:a16="http://schemas.microsoft.com/office/drawing/2014/main" val="1208916747"/>
+                  </a:ext>
+                </a:extLst>
+              </a:tr>
+              <a:tr h="264835">
+                <a:tc>
+                  <a:txBody>
+                    <a:bodyPr/>
+                    <a:lstStyle/>
+                    <a:p>
+                      <a:pPr algn="ctr" latinLnBrk="1"/>
+                      <a:r>
+                        <a:rPr lang="ko-KR" altLang="en-US" sz="1000" dirty="0"/>
+                        <a:t>자산 삭제</a:t>
+                      </a:r>
+                    </a:p>
+                  </a:txBody>
+                  <a:tcPr>
+                    <a:solidFill>
+                      <a:srgbClr val="92D050"/>
+                    </a:solidFill>
+                  </a:tcPr>
+                </a:tc>
+                <a:extLst>
+                  <a:ext uri="{0D108BD9-81ED-4DB2-BD59-A6C34878D82A}">
+                    <a16:rowId xmlns:a16="http://schemas.microsoft.com/office/drawing/2014/main" val="847978459"/>
+                  </a:ext>
+                </a:extLst>
+              </a:tr>
+            </a:tbl>
+          </a:graphicData>
+        </a:graphic>
+      </p:graphicFrame>
+      <p:graphicFrame>
+        <p:nvGraphicFramePr>
+          <p:cNvPr id="74" name="표 74">
+            <a:extLst>
+              <a:ext uri="{FF2B5EF4-FFF2-40B4-BE49-F238E27FC236}">
+                <a16:creationId xmlns:a16="http://schemas.microsoft.com/office/drawing/2014/main" id="{42A6B405-D6D1-4A5E-ACAB-442D35E9A958}"/>
+              </a:ext>
+            </a:extLst>
+          </p:cNvPr>
+          <p:cNvGraphicFramePr>
+            <a:graphicFrameLocks noGrp="1"/>
+          </p:cNvGraphicFramePr>
+          <p:nvPr>
+            <p:extLst>
+              <p:ext uri="{D42A27DB-BD31-4B8C-83A1-F6EECF244321}">
+                <p14:modId xmlns:p14="http://schemas.microsoft.com/office/powerpoint/2010/main" val="206157288"/>
+              </p:ext>
+            </p:extLst>
+          </p:nvPr>
+        </p:nvGraphicFramePr>
+        <p:xfrm>
+          <a:off x="4972433" y="5646048"/>
+          <a:ext cx="1044000" cy="1002759"/>
+        </p:xfrm>
+        <a:graphic>
+          <a:graphicData uri="http://schemas.openxmlformats.org/drawingml/2006/table">
+            <a:tbl>
+              <a:tblPr firstRow="1" bandRow="1">
+                <a:tableStyleId>{5C22544A-7EE6-4342-B048-85BDC9FD1C3A}</a:tableStyleId>
+              </a:tblPr>
+              <a:tblGrid>
+                <a:gridCol w="1044000">
+                  <a:extLst>
+                    <a:ext uri="{9D8B030D-6E8A-4147-A177-3AD203B41FA5}">
+                      <a16:colId xmlns:a16="http://schemas.microsoft.com/office/drawing/2014/main" val="647765574"/>
+                    </a:ext>
+                  </a:extLst>
+                </a:gridCol>
+              </a:tblGrid>
+              <a:tr h="252973">
+                <a:tc>
+                  <a:txBody>
+                    <a:bodyPr/>
+                    <a:lstStyle/>
+                    <a:p>
+                      <a:pPr algn="ctr" latinLnBrk="1"/>
+                      <a:r>
+                        <a:rPr lang="ko-KR" altLang="en-US" sz="1000" dirty="0"/>
+                        <a:t>자산</a:t>
+                      </a:r>
+                    </a:p>
+                  </a:txBody>
+                  <a:tcPr/>
+                </a:tc>
+                <a:extLst>
+                  <a:ext uri="{0D108BD9-81ED-4DB2-BD59-A6C34878D82A}">
+                    <a16:rowId xmlns:a16="http://schemas.microsoft.com/office/drawing/2014/main" val="911748543"/>
+                  </a:ext>
+                </a:extLst>
+              </a:tr>
+              <a:tr h="236847">
+                <a:tc>
+                  <a:txBody>
+                    <a:bodyPr/>
+                    <a:lstStyle/>
+                    <a:p>
+                      <a:pPr algn="ctr" latinLnBrk="1"/>
+                      <a:r>
+                        <a:rPr lang="ko-KR" altLang="en-US" sz="1000" dirty="0"/>
+                        <a:t>소유주</a:t>
+                      </a:r>
+                    </a:p>
+                  </a:txBody>
+                  <a:tcPr>
+                    <a:solidFill>
+                      <a:srgbClr val="00B0F0"/>
+                    </a:solidFill>
+                  </a:tcPr>
+                </a:tc>
+                <a:extLst>
+                  <a:ext uri="{0D108BD9-81ED-4DB2-BD59-A6C34878D82A}">
+                    <a16:rowId xmlns:a16="http://schemas.microsoft.com/office/drawing/2014/main" val="544322944"/>
+                  </a:ext>
+                </a:extLst>
+              </a:tr>
+              <a:tr h="252973">
+                <a:tc>
+                  <a:txBody>
+                    <a:bodyPr/>
+                    <a:lstStyle/>
+                    <a:p>
+                      <a:pPr algn="ctr" latinLnBrk="1"/>
+                      <a:r>
+                        <a:rPr lang="ko-KR" altLang="en-US" sz="1000" dirty="0"/>
+                        <a:t>이름</a:t>
+                      </a:r>
+                    </a:p>
+                  </a:txBody>
+                  <a:tcPr>
+                    <a:solidFill>
+                      <a:srgbClr val="00B0F0"/>
+                    </a:solidFill>
+                  </a:tcPr>
+                </a:tc>
+                <a:extLst>
+                  <a:ext uri="{0D108BD9-81ED-4DB2-BD59-A6C34878D82A}">
+                    <a16:rowId xmlns:a16="http://schemas.microsoft.com/office/drawing/2014/main" val="369110371"/>
+                  </a:ext>
+                </a:extLst>
+              </a:tr>
+              <a:tr h="252973">
+                <a:tc>
+                  <a:txBody>
+                    <a:bodyPr/>
+                    <a:lstStyle/>
+                    <a:p>
+                      <a:pPr algn="ctr" latinLnBrk="1"/>
+                      <a:r>
+                        <a:rPr lang="ko-KR" altLang="en-US" sz="1000" dirty="0"/>
+                        <a:t>가치</a:t>
+                      </a:r>
+                    </a:p>
+                  </a:txBody>
+                  <a:tcPr>
+                    <a:solidFill>
+                      <a:srgbClr val="00B0F0"/>
+                    </a:solidFill>
+                  </a:tcPr>
+                </a:tc>
+                <a:extLst>
+                  <a:ext uri="{0D108BD9-81ED-4DB2-BD59-A6C34878D82A}">
+                    <a16:rowId xmlns:a16="http://schemas.microsoft.com/office/drawing/2014/main" val="779737130"/>
+                  </a:ext>
+                </a:extLst>
+              </a:tr>
+            </a:tbl>
+          </a:graphicData>
+        </a:graphic>
+      </p:graphicFrame>
+      <p:sp>
+        <p:nvSpPr>
+          <p:cNvPr id="79" name="TextBox 78">
+            <a:extLst>
+              <a:ext uri="{FF2B5EF4-FFF2-40B4-BE49-F238E27FC236}">
+                <a16:creationId xmlns:a16="http://schemas.microsoft.com/office/drawing/2014/main" id="{065FFDA4-26B6-44AB-AE5C-64E055304362}"/>
+              </a:ext>
+            </a:extLst>
+          </p:cNvPr>
+          <p:cNvSpPr txBox="1"/>
+          <p:nvPr/>
+        </p:nvSpPr>
+        <p:spPr>
+          <a:xfrm>
+            <a:off x="5396879" y="182879"/>
+            <a:ext cx="2194832" cy="369332"/>
+          </a:xfrm>
+          <a:prstGeom prst="rect">
+            <a:avLst/>
+          </a:prstGeom>
+          <a:noFill/>
+        </p:spPr>
+        <p:txBody>
+          <a:bodyPr wrap="none" rtlCol="0">
+            <a:spAutoFit/>
+          </a:bodyPr>
+          <a:lstStyle/>
+          <a:p>
+            <a:r>
+              <a:rPr lang="ko-KR" altLang="en-US" dirty="0"/>
+              <a:t>가계부 도메인 모델</a:t>
+            </a:r>
+          </a:p>
+        </p:txBody>
+      </p:sp>
+      <p:graphicFrame>
+        <p:nvGraphicFramePr>
+          <p:cNvPr id="2" name="표 2">
+            <a:extLst>
+              <a:ext uri="{FF2B5EF4-FFF2-40B4-BE49-F238E27FC236}">
+                <a16:creationId xmlns:a16="http://schemas.microsoft.com/office/drawing/2014/main" id="{37A2E3ED-00B0-4B42-A961-ECBAE59789FD}"/>
+              </a:ext>
+            </a:extLst>
+          </p:cNvPr>
+          <p:cNvGraphicFramePr>
+            <a:graphicFrameLocks noGrp="1"/>
+          </p:cNvGraphicFramePr>
+          <p:nvPr>
+            <p:extLst>
+              <p:ext uri="{D42A27DB-BD31-4B8C-83A1-F6EECF244321}">
+                <p14:modId xmlns:p14="http://schemas.microsoft.com/office/powerpoint/2010/main" val="744338838"/>
+              </p:ext>
+            </p:extLst>
+          </p:nvPr>
+        </p:nvGraphicFramePr>
+        <p:xfrm>
+          <a:off x="256545" y="3200538"/>
+          <a:ext cx="1044000" cy="370840"/>
+        </p:xfrm>
+        <a:graphic>
+          <a:graphicData uri="http://schemas.openxmlformats.org/drawingml/2006/table">
+            <a:tbl>
+              <a:tblPr firstRow="1" bandRow="1">
+                <a:tableStyleId>{5C22544A-7EE6-4342-B048-85BDC9FD1C3A}</a:tableStyleId>
+              </a:tblPr>
+              <a:tblGrid>
+                <a:gridCol w="1044000">
+                  <a:extLst>
+                    <a:ext uri="{9D8B030D-6E8A-4147-A177-3AD203B41FA5}">
+                      <a16:colId xmlns:a16="http://schemas.microsoft.com/office/drawing/2014/main" val="1211878270"/>
+                    </a:ext>
+                  </a:extLst>
+                </a:gridCol>
+              </a:tblGrid>
+              <a:tr h="370840">
+                <a:tc>
+                  <a:txBody>
+                    <a:bodyPr/>
+                    <a:lstStyle/>
+                    <a:p>
+                      <a:pPr algn="ctr" latinLnBrk="1"/>
+                      <a:r>
+                        <a:rPr lang="ko-KR" altLang="en-US" sz="1000" dirty="0"/>
+                        <a:t>가계부 저장소</a:t>
+                      </a:r>
+                    </a:p>
+                  </a:txBody>
+                  <a:tcPr anchor="ctr"/>
+                </a:tc>
+                <a:extLst>
+                  <a:ext uri="{0D108BD9-81ED-4DB2-BD59-A6C34878D82A}">
+                    <a16:rowId xmlns:a16="http://schemas.microsoft.com/office/drawing/2014/main" val="186799803"/>
+                  </a:ext>
+                </a:extLst>
+              </a:tr>
+            </a:tbl>
+          </a:graphicData>
+        </a:graphic>
+      </p:graphicFrame>
+      <p:sp>
+        <p:nvSpPr>
+          <p:cNvPr id="11" name="TextBox 10">
+            <a:extLst>
+              <a:ext uri="{FF2B5EF4-FFF2-40B4-BE49-F238E27FC236}">
+                <a16:creationId xmlns:a16="http://schemas.microsoft.com/office/drawing/2014/main" id="{475A537D-C030-4786-B021-DAEA8E549795}"/>
+              </a:ext>
+            </a:extLst>
+          </p:cNvPr>
+          <p:cNvSpPr txBox="1"/>
+          <p:nvPr/>
+        </p:nvSpPr>
+        <p:spPr>
+          <a:xfrm>
+            <a:off x="592183" y="367546"/>
+            <a:ext cx="904415" cy="923330"/>
+          </a:xfrm>
+          <a:prstGeom prst="rect">
+            <a:avLst/>
+          </a:prstGeom>
+          <a:noFill/>
+        </p:spPr>
+        <p:txBody>
+          <a:bodyPr wrap="none" rtlCol="0">
+            <a:spAutoFit/>
+          </a:bodyPr>
+          <a:lstStyle/>
+          <a:p>
+            <a:r>
+              <a:rPr lang="ko-KR" altLang="en-US" dirty="0"/>
+              <a:t>상태 </a:t>
+            </a:r>
+            <a:r>
+              <a:rPr lang="en-US" altLang="ko-KR" dirty="0"/>
+              <a:t>-</a:t>
+            </a:r>
+          </a:p>
+          <a:p>
+            <a:endParaRPr lang="en-US" altLang="ko-KR" dirty="0"/>
+          </a:p>
+          <a:p>
+            <a:r>
+              <a:rPr lang="ko-KR" altLang="en-US" dirty="0"/>
+              <a:t>행동 </a:t>
+            </a:r>
+            <a:r>
+              <a:rPr lang="en-US" altLang="ko-KR" dirty="0"/>
+              <a:t>- </a:t>
+            </a:r>
+            <a:endParaRPr lang="ko-KR" altLang="en-US" dirty="0"/>
+          </a:p>
+        </p:txBody>
+      </p:sp>
+      <p:sp>
+        <p:nvSpPr>
+          <p:cNvPr id="12" name="직사각형 11">
+            <a:extLst>
+              <a:ext uri="{FF2B5EF4-FFF2-40B4-BE49-F238E27FC236}">
+                <a16:creationId xmlns:a16="http://schemas.microsoft.com/office/drawing/2014/main" id="{B3B39CFC-41F1-4156-9CD4-C0D96FCA8B19}"/>
+              </a:ext>
+            </a:extLst>
+          </p:cNvPr>
+          <p:cNvSpPr/>
+          <p:nvPr/>
+        </p:nvSpPr>
+        <p:spPr>
+          <a:xfrm>
+            <a:off x="1401659" y="920900"/>
+            <a:ext cx="914400" cy="369333"/>
+          </a:xfrm>
+          <a:prstGeom prst="rect">
+            <a:avLst/>
+          </a:prstGeom>
+          <a:solidFill>
+            <a:srgbClr val="92D050"/>
+          </a:solidFill>
+          <a:ln>
+            <a:noFill/>
+          </a:ln>
+        </p:spPr>
+        <p:style>
+          <a:lnRef idx="2">
+            <a:schemeClr val="accent1">
+              <a:shade val="50000"/>
+            </a:schemeClr>
+          </a:lnRef>
+          <a:fillRef idx="1">
+            <a:schemeClr val="accent1"/>
+          </a:fillRef>
+          <a:effectRef idx="0">
+            <a:schemeClr val="accent1"/>
+          </a:effectRef>
+          <a:fontRef idx="minor">
+            <a:schemeClr val="lt1"/>
+          </a:fontRef>
+        </p:style>
+        <p:txBody>
+          <a:bodyPr rtlCol="0" anchor="ctr"/>
+          <a:lstStyle/>
+          <a:p>
+            <a:pPr algn="ctr"/>
+            <a:endParaRPr lang="ko-KR" altLang="en-US"/>
+          </a:p>
+        </p:txBody>
+      </p:sp>
+      <p:sp>
+        <p:nvSpPr>
+          <p:cNvPr id="28" name="직사각형 27">
+            <a:extLst>
+              <a:ext uri="{FF2B5EF4-FFF2-40B4-BE49-F238E27FC236}">
+                <a16:creationId xmlns:a16="http://schemas.microsoft.com/office/drawing/2014/main" id="{D5752C4B-1D2C-4D88-AD62-4CA93419E284}"/>
+              </a:ext>
+            </a:extLst>
+          </p:cNvPr>
+          <p:cNvSpPr/>
+          <p:nvPr/>
+        </p:nvSpPr>
+        <p:spPr>
+          <a:xfrm>
+            <a:off x="1401659" y="367545"/>
+            <a:ext cx="914400" cy="369333"/>
+          </a:xfrm>
+          <a:prstGeom prst="rect">
+            <a:avLst/>
+          </a:prstGeom>
+          <a:solidFill>
+            <a:srgbClr val="00B0F0"/>
+          </a:solidFill>
+          <a:ln>
+            <a:noFill/>
+          </a:ln>
+        </p:spPr>
+        <p:style>
+          <a:lnRef idx="2">
+            <a:schemeClr val="accent1">
+              <a:shade val="50000"/>
+            </a:schemeClr>
+          </a:lnRef>
+          <a:fillRef idx="1">
+            <a:schemeClr val="accent1"/>
+          </a:fillRef>
+          <a:effectRef idx="0">
+            <a:schemeClr val="accent1"/>
+          </a:effectRef>
+          <a:fontRef idx="minor">
+            <a:schemeClr val="lt1"/>
+          </a:fontRef>
+        </p:style>
+        <p:txBody>
+          <a:bodyPr rtlCol="0" anchor="ctr"/>
+          <a:lstStyle/>
+          <a:p>
+            <a:pPr algn="ctr"/>
+            <a:endParaRPr lang="ko-KR" altLang="en-US"/>
+          </a:p>
+        </p:txBody>
+      </p:sp>
+      <p:graphicFrame>
+        <p:nvGraphicFramePr>
+          <p:cNvPr id="29" name="표 74">
+            <a:extLst>
+              <a:ext uri="{FF2B5EF4-FFF2-40B4-BE49-F238E27FC236}">
+                <a16:creationId xmlns:a16="http://schemas.microsoft.com/office/drawing/2014/main" id="{1F0351D1-4BC0-4D67-8553-FBAAC472FA51}"/>
+              </a:ext>
+            </a:extLst>
+          </p:cNvPr>
+          <p:cNvGraphicFramePr>
+            <a:graphicFrameLocks noGrp="1"/>
+          </p:cNvGraphicFramePr>
+          <p:nvPr>
+            <p:extLst>
+              <p:ext uri="{D42A27DB-BD31-4B8C-83A1-F6EECF244321}">
+                <p14:modId xmlns:p14="http://schemas.microsoft.com/office/powerpoint/2010/main" val="1647043190"/>
+              </p:ext>
+            </p:extLst>
+          </p:nvPr>
+        </p:nvGraphicFramePr>
+        <p:xfrm>
+          <a:off x="257454" y="6997440"/>
+          <a:ext cx="1044000" cy="1706880"/>
+        </p:xfrm>
+        <a:graphic>
+          <a:graphicData uri="http://schemas.openxmlformats.org/drawingml/2006/table">
+            <a:tbl>
+              <a:tblPr firstRow="1" bandRow="1">
+                <a:tableStyleId>{5C22544A-7EE6-4342-B048-85BDC9FD1C3A}</a:tableStyleId>
+              </a:tblPr>
+              <a:tblGrid>
+                <a:gridCol w="1044000">
+                  <a:extLst>
+                    <a:ext uri="{9D8B030D-6E8A-4147-A177-3AD203B41FA5}">
+                      <a16:colId xmlns:a16="http://schemas.microsoft.com/office/drawing/2014/main" val="647765574"/>
+                    </a:ext>
+                  </a:extLst>
+                </a:gridCol>
+              </a:tblGrid>
+              <a:tr h="217543">
+                <a:tc>
+                  <a:txBody>
+                    <a:bodyPr/>
+                    <a:lstStyle/>
+                    <a:p>
+                      <a:pPr algn="ctr" latinLnBrk="1"/>
+                      <a:r>
+                        <a:rPr lang="ko-KR" altLang="en-US" sz="1000" dirty="0"/>
+                        <a:t>기록</a:t>
+                      </a:r>
+                    </a:p>
+                  </a:txBody>
+                  <a:tcPr/>
+                </a:tc>
+                <a:extLst>
+                  <a:ext uri="{0D108BD9-81ED-4DB2-BD59-A6C34878D82A}">
+                    <a16:rowId xmlns:a16="http://schemas.microsoft.com/office/drawing/2014/main" val="911748543"/>
+                  </a:ext>
+                </a:extLst>
+              </a:tr>
+              <a:tr h="217543">
+                <a:tc>
+                  <a:txBody>
+                    <a:bodyPr/>
+                    <a:lstStyle/>
+                    <a:p>
+                      <a:pPr algn="ctr" latinLnBrk="1"/>
+                      <a:r>
+                        <a:rPr lang="ko-KR" altLang="en-US" sz="1000" dirty="0"/>
+                        <a:t>소유주</a:t>
+                      </a:r>
+                    </a:p>
+                  </a:txBody>
+                  <a:tcPr>
+                    <a:solidFill>
+                      <a:srgbClr val="00B0F0"/>
+                    </a:solidFill>
+                  </a:tcPr>
+                </a:tc>
+                <a:extLst>
+                  <a:ext uri="{0D108BD9-81ED-4DB2-BD59-A6C34878D82A}">
+                    <a16:rowId xmlns:a16="http://schemas.microsoft.com/office/drawing/2014/main" val="544322944"/>
+                  </a:ext>
+                </a:extLst>
+              </a:tr>
+              <a:tr h="217543">
+                <a:tc>
+                  <a:txBody>
+                    <a:bodyPr/>
+                    <a:lstStyle/>
+                    <a:p>
+                      <a:pPr algn="ctr" latinLnBrk="1"/>
+                      <a:r>
+                        <a:rPr lang="ko-KR" altLang="en-US" sz="1000" dirty="0"/>
+                        <a:t>언제</a:t>
+                      </a:r>
+                    </a:p>
+                  </a:txBody>
+                  <a:tcPr>
+                    <a:solidFill>
+                      <a:srgbClr val="00B0F0"/>
+                    </a:solidFill>
+                  </a:tcPr>
+                </a:tc>
+                <a:extLst>
+                  <a:ext uri="{0D108BD9-81ED-4DB2-BD59-A6C34878D82A}">
+                    <a16:rowId xmlns:a16="http://schemas.microsoft.com/office/drawing/2014/main" val="369110371"/>
+                  </a:ext>
+                </a:extLst>
+              </a:tr>
+              <a:tr h="217543">
+                <a:tc>
+                  <a:txBody>
+                    <a:bodyPr/>
+                    <a:lstStyle/>
+                    <a:p>
+                      <a:pPr algn="ctr" latinLnBrk="1"/>
+                      <a:r>
+                        <a:rPr lang="ko-KR" altLang="en-US" sz="1000" dirty="0"/>
+                        <a:t>어디서</a:t>
+                      </a:r>
+                    </a:p>
+                  </a:txBody>
+                  <a:tcPr>
+                    <a:solidFill>
+                      <a:srgbClr val="00B0F0"/>
+                    </a:solidFill>
+                  </a:tcPr>
+                </a:tc>
+                <a:extLst>
+                  <a:ext uri="{0D108BD9-81ED-4DB2-BD59-A6C34878D82A}">
+                    <a16:rowId xmlns:a16="http://schemas.microsoft.com/office/drawing/2014/main" val="779737130"/>
+                  </a:ext>
+                </a:extLst>
+              </a:tr>
+              <a:tr h="217543">
+                <a:tc>
+                  <a:txBody>
+                    <a:bodyPr/>
+                    <a:lstStyle/>
+                    <a:p>
+                      <a:pPr algn="ctr" latinLnBrk="1"/>
+                      <a:r>
+                        <a:rPr lang="ko-KR" altLang="en-US" sz="1000" dirty="0"/>
+                        <a:t>무엇을</a:t>
+                      </a:r>
+                    </a:p>
+                  </a:txBody>
+                  <a:tcPr>
+                    <a:solidFill>
+                      <a:srgbClr val="00B0F0"/>
+                    </a:solidFill>
+                  </a:tcPr>
+                </a:tc>
+                <a:extLst>
+                  <a:ext uri="{0D108BD9-81ED-4DB2-BD59-A6C34878D82A}">
+                    <a16:rowId xmlns:a16="http://schemas.microsoft.com/office/drawing/2014/main" val="2623827985"/>
+                  </a:ext>
+                </a:extLst>
+              </a:tr>
+              <a:tr h="217543">
+                <a:tc>
+                  <a:txBody>
+                    <a:bodyPr/>
+                    <a:lstStyle/>
+                    <a:p>
+                      <a:pPr algn="ctr" latinLnBrk="1"/>
+                      <a:r>
+                        <a:rPr lang="ko-KR" altLang="en-US" sz="1000" dirty="0"/>
+                        <a:t>왜</a:t>
+                      </a:r>
+                    </a:p>
+                  </a:txBody>
+                  <a:tcPr>
+                    <a:solidFill>
+                      <a:srgbClr val="00B0F0"/>
+                    </a:solidFill>
+                  </a:tcPr>
+                </a:tc>
+                <a:extLst>
+                  <a:ext uri="{0D108BD9-81ED-4DB2-BD59-A6C34878D82A}">
+                    <a16:rowId xmlns:a16="http://schemas.microsoft.com/office/drawing/2014/main" val="1942215285"/>
+                  </a:ext>
+                </a:extLst>
+              </a:tr>
+              <a:tr h="217543">
+                <a:tc>
+                  <a:txBody>
+                    <a:bodyPr/>
+                    <a:lstStyle/>
+                    <a:p>
+                      <a:pPr algn="ctr" latinLnBrk="1"/>
+                      <a:r>
+                        <a:rPr lang="ko-KR" altLang="en-US" sz="1000" dirty="0"/>
+                        <a:t>카테고리</a:t>
+                      </a:r>
+                    </a:p>
+                  </a:txBody>
+                  <a:tcPr>
+                    <a:solidFill>
+                      <a:srgbClr val="00B0F0"/>
+                    </a:solidFill>
+                  </a:tcPr>
+                </a:tc>
+                <a:extLst>
+                  <a:ext uri="{0D108BD9-81ED-4DB2-BD59-A6C34878D82A}">
+                    <a16:rowId xmlns:a16="http://schemas.microsoft.com/office/drawing/2014/main" val="890749096"/>
+                  </a:ext>
+                </a:extLst>
+              </a:tr>
+            </a:tbl>
+          </a:graphicData>
+        </a:graphic>
+      </p:graphicFrame>
+      <p:graphicFrame>
+        <p:nvGraphicFramePr>
+          <p:cNvPr id="30" name="표 39">
+            <a:extLst>
+              <a:ext uri="{FF2B5EF4-FFF2-40B4-BE49-F238E27FC236}">
+                <a16:creationId xmlns:a16="http://schemas.microsoft.com/office/drawing/2014/main" id="{A6F77F8C-CE47-4CD4-AB9C-99F074734DBE}"/>
+              </a:ext>
+            </a:extLst>
+          </p:cNvPr>
+          <p:cNvGraphicFramePr>
+            <a:graphicFrameLocks noGrp="1"/>
+          </p:cNvGraphicFramePr>
+          <p:nvPr>
+            <p:extLst>
+              <p:ext uri="{D42A27DB-BD31-4B8C-83A1-F6EECF244321}">
+                <p14:modId xmlns:p14="http://schemas.microsoft.com/office/powerpoint/2010/main" val="2282993175"/>
+              </p:ext>
+            </p:extLst>
+          </p:nvPr>
+        </p:nvGraphicFramePr>
+        <p:xfrm>
+          <a:off x="3027632" y="3425776"/>
+          <a:ext cx="1042245" cy="1483362"/>
+        </p:xfrm>
+        <a:graphic>
+          <a:graphicData uri="http://schemas.openxmlformats.org/drawingml/2006/table">
+            <a:tbl>
+              <a:tblPr firstRow="1" bandRow="1">
+                <a:tableStyleId>{5C22544A-7EE6-4342-B048-85BDC9FD1C3A}</a:tableStyleId>
+              </a:tblPr>
+              <a:tblGrid>
+                <a:gridCol w="1042245">
+                  <a:extLst>
+                    <a:ext uri="{9D8B030D-6E8A-4147-A177-3AD203B41FA5}">
+                      <a16:colId xmlns:a16="http://schemas.microsoft.com/office/drawing/2014/main" val="1554169727"/>
+                    </a:ext>
+                  </a:extLst>
+                </a:gridCol>
+              </a:tblGrid>
+              <a:tr h="247227">
+                <a:tc>
+                  <a:txBody>
+                    <a:bodyPr/>
+                    <a:lstStyle/>
+                    <a:p>
+                      <a:pPr algn="ctr" latinLnBrk="1"/>
+                      <a:r>
+                        <a:rPr lang="ko-KR" altLang="en-US" sz="1000" dirty="0"/>
+                        <a:t>일 가계부</a:t>
+                      </a:r>
+                    </a:p>
+                  </a:txBody>
+                  <a:tcPr/>
+                </a:tc>
+                <a:extLst>
+                  <a:ext uri="{0D108BD9-81ED-4DB2-BD59-A6C34878D82A}">
+                    <a16:rowId xmlns:a16="http://schemas.microsoft.com/office/drawing/2014/main" val="506285849"/>
+                  </a:ext>
+                </a:extLst>
+              </a:tr>
+              <a:tr h="247227">
+                <a:tc>
+                  <a:txBody>
+                    <a:bodyPr/>
+                    <a:lstStyle/>
+                    <a:p>
+                      <a:pPr algn="ctr" latinLnBrk="1"/>
+                      <a:r>
+                        <a:rPr lang="ko-KR" altLang="en-US" sz="1000" dirty="0"/>
+                        <a:t>소유주</a:t>
+                      </a:r>
+                    </a:p>
+                  </a:txBody>
+                  <a:tcPr>
+                    <a:solidFill>
+                      <a:srgbClr val="00B0F0"/>
+                    </a:solidFill>
+                  </a:tcPr>
+                </a:tc>
+                <a:extLst>
+                  <a:ext uri="{0D108BD9-81ED-4DB2-BD59-A6C34878D82A}">
+                    <a16:rowId xmlns:a16="http://schemas.microsoft.com/office/drawing/2014/main" val="2018535173"/>
+                  </a:ext>
+                </a:extLst>
+              </a:tr>
+              <a:tr h="247227">
+                <a:tc>
+                  <a:txBody>
+                    <a:bodyPr/>
+                    <a:lstStyle/>
+                    <a:p>
+                      <a:pPr algn="ctr" latinLnBrk="1"/>
+                      <a:r>
+                        <a:rPr lang="ko-KR" altLang="en-US" sz="1000" dirty="0"/>
+                        <a:t>특정 일 수입</a:t>
+                      </a:r>
+                    </a:p>
+                  </a:txBody>
+                  <a:tcPr>
+                    <a:solidFill>
+                      <a:srgbClr val="92D050"/>
+                    </a:solidFill>
+                  </a:tcPr>
+                </a:tc>
+                <a:extLst>
+                  <a:ext uri="{0D108BD9-81ED-4DB2-BD59-A6C34878D82A}">
+                    <a16:rowId xmlns:a16="http://schemas.microsoft.com/office/drawing/2014/main" val="1695620317"/>
+                  </a:ext>
+                </a:extLst>
+              </a:tr>
+              <a:tr h="247227">
+                <a:tc>
+                  <a:txBody>
+                    <a:bodyPr/>
+                    <a:lstStyle/>
+                    <a:p>
+                      <a:pPr algn="ctr" latinLnBrk="1"/>
+                      <a:r>
+                        <a:rPr lang="ko-KR" altLang="en-US" sz="1000" dirty="0"/>
+                        <a:t>특정 일 지출</a:t>
+                      </a:r>
+                      <a:endParaRPr lang="en-US" altLang="ko-KR" sz="1000" dirty="0"/>
+                    </a:p>
+                  </a:txBody>
+                  <a:tcPr>
+                    <a:solidFill>
+                      <a:srgbClr val="92D050"/>
+                    </a:solidFill>
+                  </a:tcPr>
+                </a:tc>
+                <a:extLst>
+                  <a:ext uri="{0D108BD9-81ED-4DB2-BD59-A6C34878D82A}">
+                    <a16:rowId xmlns:a16="http://schemas.microsoft.com/office/drawing/2014/main" val="4047485892"/>
+                  </a:ext>
+                </a:extLst>
+              </a:tr>
+              <a:tr h="247227">
+                <a:tc>
+                  <a:txBody>
+                    <a:bodyPr/>
+                    <a:lstStyle/>
+                    <a:p>
+                      <a:pPr algn="ctr" latinLnBrk="1"/>
+                      <a:r>
+                        <a:rPr lang="ko-KR" altLang="en-US" sz="1000" dirty="0"/>
+                        <a:t>특정 일 합계</a:t>
+                      </a:r>
+                    </a:p>
+                  </a:txBody>
+                  <a:tcPr>
+                    <a:solidFill>
+                      <a:srgbClr val="92D050"/>
+                    </a:solidFill>
+                  </a:tcPr>
+                </a:tc>
+                <a:extLst>
+                  <a:ext uri="{0D108BD9-81ED-4DB2-BD59-A6C34878D82A}">
+                    <a16:rowId xmlns:a16="http://schemas.microsoft.com/office/drawing/2014/main" val="2358193641"/>
+                  </a:ext>
+                </a:extLst>
+              </a:tr>
+              <a:tr h="247227">
+                <a:tc>
+                  <a:txBody>
+                    <a:bodyPr/>
+                    <a:lstStyle/>
+                    <a:p>
+                      <a:pPr algn="ctr" latinLnBrk="1"/>
+                      <a:r>
+                        <a:rPr lang="ko-KR" altLang="en-US" sz="1000" dirty="0"/>
+                        <a:t>특정 일 통계</a:t>
+                      </a:r>
+                    </a:p>
+                  </a:txBody>
+                  <a:tcPr>
+                    <a:solidFill>
+                      <a:srgbClr val="92D050"/>
+                    </a:solidFill>
+                  </a:tcPr>
+                </a:tc>
+                <a:extLst>
+                  <a:ext uri="{0D108BD9-81ED-4DB2-BD59-A6C34878D82A}">
+                    <a16:rowId xmlns:a16="http://schemas.microsoft.com/office/drawing/2014/main" val="3619290044"/>
+                  </a:ext>
+                </a:extLst>
+              </a:tr>
+            </a:tbl>
+          </a:graphicData>
+        </a:graphic>
+      </p:graphicFrame>
       <p:cxnSp>
         <p:nvCxnSpPr>
-          <p:cNvPr id="31" name="직선 연결선 30">
-            <a:extLst>
-              <a:ext uri="{FF2B5EF4-FFF2-40B4-BE49-F238E27FC236}">
-                <a16:creationId xmlns:a16="http://schemas.microsoft.com/office/drawing/2014/main" id="{CB21E6DD-3366-4309-867C-2071F548207F}"/>
+          <p:cNvPr id="14" name="직선 연결선 13">
+            <a:extLst>
+              <a:ext uri="{FF2B5EF4-FFF2-40B4-BE49-F238E27FC236}">
+                <a16:creationId xmlns:a16="http://schemas.microsoft.com/office/drawing/2014/main" id="{DEF27DFB-8137-4E41-99FA-E6EEAC90EE8C}"/>
               </a:ext>
             </a:extLst>
           </p:cNvPr>
           <p:cNvCxnSpPr>
             <a:cxnSpLocks/>
-            <a:stCxn id="39" idx="3"/>
+            <a:stCxn id="2" idx="3"/>
             <a:endCxn id="41" idx="1"/>
           </p:cNvCxnSpPr>
           <p:nvPr/>
         </p:nvCxnSpPr>
         <p:spPr>
-          <a:xfrm>
-            <a:off x="6230269" y="2687320"/>
-            <a:ext cx="1463401" cy="0"/>
+          <a:xfrm flipV="1">
+            <a:off x="1300545" y="2604539"/>
+            <a:ext cx="1726209" cy="781419"/>
           </a:xfrm>
           <a:prstGeom prst="line">
             <a:avLst/>
@@ -4320,657 +5928,26 @@
           </a:fontRef>
         </p:style>
       </p:cxnSp>
-      <p:sp>
-        <p:nvSpPr>
-          <p:cNvPr id="32" name="TextBox 31">
-            <a:extLst>
-              <a:ext uri="{FF2B5EF4-FFF2-40B4-BE49-F238E27FC236}">
-                <a16:creationId xmlns:a16="http://schemas.microsoft.com/office/drawing/2014/main" id="{4E90CA3C-5ED6-4294-960E-10BCED744820}"/>
-              </a:ext>
-            </a:extLst>
-          </p:cNvPr>
-          <p:cNvSpPr txBox="1"/>
-          <p:nvPr/>
-        </p:nvSpPr>
-        <p:spPr>
-          <a:xfrm>
-            <a:off x="7002432" y="2317988"/>
-            <a:ext cx="744579" cy="369332"/>
-          </a:xfrm>
-          <a:prstGeom prst="rect">
-            <a:avLst/>
-          </a:prstGeom>
-          <a:noFill/>
-        </p:spPr>
-        <p:txBody>
-          <a:bodyPr wrap="square" rtlCol="0">
-            <a:spAutoFit/>
-          </a:bodyPr>
-          <a:lstStyle/>
-          <a:p>
-            <a:r>
-              <a:rPr lang="en-US" altLang="ko-KR" dirty="0"/>
-              <a:t>1…12</a:t>
-            </a:r>
-            <a:endParaRPr lang="ko-KR" altLang="en-US" dirty="0"/>
-          </a:p>
-        </p:txBody>
-      </p:sp>
-      <p:graphicFrame>
-        <p:nvGraphicFramePr>
-          <p:cNvPr id="39" name="표 39">
-            <a:extLst>
-              <a:ext uri="{FF2B5EF4-FFF2-40B4-BE49-F238E27FC236}">
-                <a16:creationId xmlns:a16="http://schemas.microsoft.com/office/drawing/2014/main" id="{7AF8B48F-A6C6-42CB-A481-4363D5D4FBAB}"/>
-              </a:ext>
-            </a:extLst>
-          </p:cNvPr>
-          <p:cNvGraphicFramePr>
-            <a:graphicFrameLocks noGrp="1"/>
-          </p:cNvGraphicFramePr>
-          <p:nvPr>
-            <p:extLst>
-              <p:ext uri="{D42A27DB-BD31-4B8C-83A1-F6EECF244321}">
-                <p14:modId xmlns:p14="http://schemas.microsoft.com/office/powerpoint/2010/main" val="3208716387"/>
-              </p:ext>
-            </p:extLst>
-          </p:nvPr>
-        </p:nvGraphicFramePr>
-        <p:xfrm>
-          <a:off x="5031389" y="1945640"/>
-          <a:ext cx="1198880" cy="1483360"/>
-        </p:xfrm>
-        <a:graphic>
-          <a:graphicData uri="http://schemas.openxmlformats.org/drawingml/2006/table">
-            <a:tbl>
-              <a:tblPr firstRow="1" bandRow="1">
-                <a:tableStyleId>{5C22544A-7EE6-4342-B048-85BDC9FD1C3A}</a:tableStyleId>
-              </a:tblPr>
-              <a:tblGrid>
-                <a:gridCol w="1198880">
-                  <a:extLst>
-                    <a:ext uri="{9D8B030D-6E8A-4147-A177-3AD203B41FA5}">
-                      <a16:colId xmlns:a16="http://schemas.microsoft.com/office/drawing/2014/main" val="1554169727"/>
-                    </a:ext>
-                  </a:extLst>
-                </a:gridCol>
-              </a:tblGrid>
-              <a:tr h="370840">
-                <a:tc>
-                  <a:txBody>
-                    <a:bodyPr/>
-                    <a:lstStyle/>
-                    <a:p>
-                      <a:pPr algn="ctr" latinLnBrk="1"/>
-                      <a:r>
-                        <a:rPr lang="ko-KR" altLang="en-US" dirty="0"/>
-                        <a:t>연 가계부</a:t>
-                      </a:r>
-                    </a:p>
-                  </a:txBody>
-                  <a:tcPr/>
-                </a:tc>
-                <a:extLst>
-                  <a:ext uri="{0D108BD9-81ED-4DB2-BD59-A6C34878D82A}">
-                    <a16:rowId xmlns:a16="http://schemas.microsoft.com/office/drawing/2014/main" val="506285849"/>
-                  </a:ext>
-                </a:extLst>
-              </a:tr>
-              <a:tr h="370840">
-                <a:tc>
-                  <a:txBody>
-                    <a:bodyPr/>
-                    <a:lstStyle/>
-                    <a:p>
-                      <a:pPr algn="ctr" latinLnBrk="1"/>
-                      <a:r>
-                        <a:rPr lang="ko-KR" altLang="en-US" dirty="0"/>
-                        <a:t>월별 수입</a:t>
-                      </a:r>
-                    </a:p>
-                  </a:txBody>
-                  <a:tcPr/>
-                </a:tc>
-                <a:extLst>
-                  <a:ext uri="{0D108BD9-81ED-4DB2-BD59-A6C34878D82A}">
-                    <a16:rowId xmlns:a16="http://schemas.microsoft.com/office/drawing/2014/main" val="1695620317"/>
-                  </a:ext>
-                </a:extLst>
-              </a:tr>
-              <a:tr h="370840">
-                <a:tc>
-                  <a:txBody>
-                    <a:bodyPr/>
-                    <a:lstStyle/>
-                    <a:p>
-                      <a:pPr algn="ctr" latinLnBrk="1"/>
-                      <a:r>
-                        <a:rPr lang="ko-KR" altLang="en-US" dirty="0"/>
-                        <a:t>월별 지출</a:t>
-                      </a:r>
-                      <a:endParaRPr lang="en-US" altLang="ko-KR" dirty="0"/>
-                    </a:p>
-                  </a:txBody>
-                  <a:tcPr/>
-                </a:tc>
-                <a:extLst>
-                  <a:ext uri="{0D108BD9-81ED-4DB2-BD59-A6C34878D82A}">
-                    <a16:rowId xmlns:a16="http://schemas.microsoft.com/office/drawing/2014/main" val="4047485892"/>
-                  </a:ext>
-                </a:extLst>
-              </a:tr>
-              <a:tr h="370840">
-                <a:tc>
-                  <a:txBody>
-                    <a:bodyPr/>
-                    <a:lstStyle/>
-                    <a:p>
-                      <a:pPr algn="ctr" latinLnBrk="1"/>
-                      <a:r>
-                        <a:rPr lang="ko-KR" altLang="en-US" dirty="0"/>
-                        <a:t>월별 합계</a:t>
-                      </a:r>
-                    </a:p>
-                  </a:txBody>
-                  <a:tcPr/>
-                </a:tc>
-                <a:extLst>
-                  <a:ext uri="{0D108BD9-81ED-4DB2-BD59-A6C34878D82A}">
-                    <a16:rowId xmlns:a16="http://schemas.microsoft.com/office/drawing/2014/main" val="2358193641"/>
-                  </a:ext>
-                </a:extLst>
-              </a:tr>
-            </a:tbl>
-          </a:graphicData>
-        </a:graphic>
-      </p:graphicFrame>
-      <p:graphicFrame>
-        <p:nvGraphicFramePr>
-          <p:cNvPr id="41" name="표 39">
-            <a:extLst>
-              <a:ext uri="{FF2B5EF4-FFF2-40B4-BE49-F238E27FC236}">
-                <a16:creationId xmlns:a16="http://schemas.microsoft.com/office/drawing/2014/main" id="{DECA8CBA-58CC-4D9A-A858-214D85ADCB4B}"/>
-              </a:ext>
-            </a:extLst>
-          </p:cNvPr>
-          <p:cNvGraphicFramePr>
-            <a:graphicFrameLocks noGrp="1"/>
-          </p:cNvGraphicFramePr>
-          <p:nvPr>
-            <p:extLst>
-              <p:ext uri="{D42A27DB-BD31-4B8C-83A1-F6EECF244321}">
-                <p14:modId xmlns:p14="http://schemas.microsoft.com/office/powerpoint/2010/main" val="1584525470"/>
-              </p:ext>
-            </p:extLst>
-          </p:nvPr>
-        </p:nvGraphicFramePr>
-        <p:xfrm>
-          <a:off x="7693670" y="1945640"/>
-          <a:ext cx="1198880" cy="1483360"/>
-        </p:xfrm>
-        <a:graphic>
-          <a:graphicData uri="http://schemas.openxmlformats.org/drawingml/2006/table">
-            <a:tbl>
-              <a:tblPr firstRow="1" bandRow="1">
-                <a:tableStyleId>{5C22544A-7EE6-4342-B048-85BDC9FD1C3A}</a:tableStyleId>
-              </a:tblPr>
-              <a:tblGrid>
-                <a:gridCol w="1198880">
-                  <a:extLst>
-                    <a:ext uri="{9D8B030D-6E8A-4147-A177-3AD203B41FA5}">
-                      <a16:colId xmlns:a16="http://schemas.microsoft.com/office/drawing/2014/main" val="1554169727"/>
-                    </a:ext>
-                  </a:extLst>
-                </a:gridCol>
-              </a:tblGrid>
-              <a:tr h="370840">
-                <a:tc>
-                  <a:txBody>
-                    <a:bodyPr/>
-                    <a:lstStyle/>
-                    <a:p>
-                      <a:pPr algn="ctr" latinLnBrk="1"/>
-                      <a:r>
-                        <a:rPr lang="ko-KR" altLang="en-US" dirty="0"/>
-                        <a:t>월 가계부</a:t>
-                      </a:r>
-                    </a:p>
-                  </a:txBody>
-                  <a:tcPr/>
-                </a:tc>
-                <a:extLst>
-                  <a:ext uri="{0D108BD9-81ED-4DB2-BD59-A6C34878D82A}">
-                    <a16:rowId xmlns:a16="http://schemas.microsoft.com/office/drawing/2014/main" val="506285849"/>
-                  </a:ext>
-                </a:extLst>
-              </a:tr>
-              <a:tr h="370840">
-                <a:tc>
-                  <a:txBody>
-                    <a:bodyPr/>
-                    <a:lstStyle/>
-                    <a:p>
-                      <a:pPr algn="ctr" latinLnBrk="1"/>
-                      <a:r>
-                        <a:rPr lang="ko-KR" altLang="en-US" dirty="0"/>
-                        <a:t>수입</a:t>
-                      </a:r>
-                    </a:p>
-                  </a:txBody>
-                  <a:tcPr/>
-                </a:tc>
-                <a:extLst>
-                  <a:ext uri="{0D108BD9-81ED-4DB2-BD59-A6C34878D82A}">
-                    <a16:rowId xmlns:a16="http://schemas.microsoft.com/office/drawing/2014/main" val="1695620317"/>
-                  </a:ext>
-                </a:extLst>
-              </a:tr>
-              <a:tr h="370840">
-                <a:tc>
-                  <a:txBody>
-                    <a:bodyPr/>
-                    <a:lstStyle/>
-                    <a:p>
-                      <a:pPr algn="ctr" latinLnBrk="1"/>
-                      <a:r>
-                        <a:rPr lang="ko-KR" altLang="en-US" dirty="0"/>
-                        <a:t>지출</a:t>
-                      </a:r>
-                      <a:endParaRPr lang="en-US" altLang="ko-KR" dirty="0"/>
-                    </a:p>
-                  </a:txBody>
-                  <a:tcPr/>
-                </a:tc>
-                <a:extLst>
-                  <a:ext uri="{0D108BD9-81ED-4DB2-BD59-A6C34878D82A}">
-                    <a16:rowId xmlns:a16="http://schemas.microsoft.com/office/drawing/2014/main" val="4047485892"/>
-                  </a:ext>
-                </a:extLst>
-              </a:tr>
-              <a:tr h="370840">
-                <a:tc>
-                  <a:txBody>
-                    <a:bodyPr/>
-                    <a:lstStyle/>
-                    <a:p>
-                      <a:pPr algn="ctr" latinLnBrk="1"/>
-                      <a:r>
-                        <a:rPr lang="ko-KR" altLang="en-US" dirty="0"/>
-                        <a:t>합계</a:t>
-                      </a:r>
-                    </a:p>
-                  </a:txBody>
-                  <a:tcPr/>
-                </a:tc>
-                <a:extLst>
-                  <a:ext uri="{0D108BD9-81ED-4DB2-BD59-A6C34878D82A}">
-                    <a16:rowId xmlns:a16="http://schemas.microsoft.com/office/drawing/2014/main" val="2358193641"/>
-                  </a:ext>
-                </a:extLst>
-              </a:tr>
-            </a:tbl>
-          </a:graphicData>
-        </a:graphic>
-      </p:graphicFrame>
-      <p:graphicFrame>
-        <p:nvGraphicFramePr>
-          <p:cNvPr id="44" name="표 44">
-            <a:extLst>
-              <a:ext uri="{FF2B5EF4-FFF2-40B4-BE49-F238E27FC236}">
-                <a16:creationId xmlns:a16="http://schemas.microsoft.com/office/drawing/2014/main" id="{A0AE9223-2101-47B9-A308-1CBD3657DA80}"/>
-              </a:ext>
-            </a:extLst>
-          </p:cNvPr>
-          <p:cNvGraphicFramePr>
-            <a:graphicFrameLocks noGrp="1"/>
-          </p:cNvGraphicFramePr>
-          <p:nvPr>
-            <p:extLst>
-              <p:ext uri="{D42A27DB-BD31-4B8C-83A1-F6EECF244321}">
-                <p14:modId xmlns:p14="http://schemas.microsoft.com/office/powerpoint/2010/main" val="2921446546"/>
-              </p:ext>
-            </p:extLst>
-          </p:nvPr>
-        </p:nvGraphicFramePr>
-        <p:xfrm>
-          <a:off x="10152390" y="1290233"/>
-          <a:ext cx="1903860" cy="2794174"/>
-        </p:xfrm>
-        <a:graphic>
-          <a:graphicData uri="http://schemas.openxmlformats.org/drawingml/2006/table">
-            <a:tbl>
-              <a:tblPr firstRow="1" bandRow="1">
-                <a:tableStyleId>{5C22544A-7EE6-4342-B048-85BDC9FD1C3A}</a:tableStyleId>
-              </a:tblPr>
-              <a:tblGrid>
-                <a:gridCol w="1903860">
-                  <a:extLst>
-                    <a:ext uri="{9D8B030D-6E8A-4147-A177-3AD203B41FA5}">
-                      <a16:colId xmlns:a16="http://schemas.microsoft.com/office/drawing/2014/main" val="2742736346"/>
-                    </a:ext>
-                  </a:extLst>
-                </a:gridCol>
-              </a:tblGrid>
-              <a:tr h="370840">
-                <a:tc>
-                  <a:txBody>
-                    <a:bodyPr/>
-                    <a:lstStyle/>
-                    <a:p>
-                      <a:pPr algn="ctr" latinLnBrk="1"/>
-                      <a:r>
-                        <a:rPr lang="ko-KR" altLang="en-US" dirty="0"/>
-                        <a:t>기록</a:t>
-                      </a:r>
-                    </a:p>
-                  </a:txBody>
-                  <a:tcPr/>
-                </a:tc>
-                <a:extLst>
-                  <a:ext uri="{0D108BD9-81ED-4DB2-BD59-A6C34878D82A}">
-                    <a16:rowId xmlns:a16="http://schemas.microsoft.com/office/drawing/2014/main" val="3079763944"/>
-                  </a:ext>
-                </a:extLst>
-              </a:tr>
-              <a:tr h="403889">
-                <a:tc>
-                  <a:txBody>
-                    <a:bodyPr/>
-                    <a:lstStyle/>
-                    <a:p>
-                      <a:pPr algn="ctr" latinLnBrk="1"/>
-                      <a:r>
-                        <a:rPr lang="ko-KR" altLang="en-US" dirty="0"/>
-                        <a:t>장소</a:t>
-                      </a:r>
-                    </a:p>
-                  </a:txBody>
-                  <a:tcPr/>
-                </a:tc>
-                <a:extLst>
-                  <a:ext uri="{0D108BD9-81ED-4DB2-BD59-A6C34878D82A}">
-                    <a16:rowId xmlns:a16="http://schemas.microsoft.com/office/drawing/2014/main" val="165888695"/>
-                  </a:ext>
-                </a:extLst>
-              </a:tr>
-              <a:tr h="403889">
-                <a:tc>
-                  <a:txBody>
-                    <a:bodyPr/>
-                    <a:lstStyle/>
-                    <a:p>
-                      <a:pPr algn="ctr" latinLnBrk="1"/>
-                      <a:r>
-                        <a:rPr lang="ko-KR" altLang="en-US" dirty="0"/>
-                        <a:t>분류</a:t>
-                      </a:r>
-                    </a:p>
-                  </a:txBody>
-                  <a:tcPr/>
-                </a:tc>
-                <a:extLst>
-                  <a:ext uri="{0D108BD9-81ED-4DB2-BD59-A6C34878D82A}">
-                    <a16:rowId xmlns:a16="http://schemas.microsoft.com/office/drawing/2014/main" val="586524486"/>
-                  </a:ext>
-                </a:extLst>
-              </a:tr>
-              <a:tr h="403889">
-                <a:tc>
-                  <a:txBody>
-                    <a:bodyPr/>
-                    <a:lstStyle/>
-                    <a:p>
-                      <a:pPr algn="ctr" latinLnBrk="1"/>
-                      <a:r>
-                        <a:rPr lang="ko-KR" altLang="en-US" dirty="0"/>
-                        <a:t>무엇을</a:t>
-                      </a:r>
-                    </a:p>
-                  </a:txBody>
-                  <a:tcPr/>
-                </a:tc>
-                <a:extLst>
-                  <a:ext uri="{0D108BD9-81ED-4DB2-BD59-A6C34878D82A}">
-                    <a16:rowId xmlns:a16="http://schemas.microsoft.com/office/drawing/2014/main" val="1749656285"/>
-                  </a:ext>
-                </a:extLst>
-              </a:tr>
-              <a:tr h="403889">
-                <a:tc>
-                  <a:txBody>
-                    <a:bodyPr/>
-                    <a:lstStyle/>
-                    <a:p>
-                      <a:pPr algn="ctr" latinLnBrk="1"/>
-                      <a:r>
-                        <a:rPr lang="ko-KR" altLang="en-US" dirty="0"/>
-                        <a:t>왜</a:t>
-                      </a:r>
-                    </a:p>
-                  </a:txBody>
-                  <a:tcPr/>
-                </a:tc>
-                <a:extLst>
-                  <a:ext uri="{0D108BD9-81ED-4DB2-BD59-A6C34878D82A}">
-                    <a16:rowId xmlns:a16="http://schemas.microsoft.com/office/drawing/2014/main" val="1326710421"/>
-                  </a:ext>
-                </a:extLst>
-              </a:tr>
-              <a:tr h="403889">
-                <a:tc>
-                  <a:txBody>
-                    <a:bodyPr/>
-                    <a:lstStyle/>
-                    <a:p>
-                      <a:pPr algn="ctr" latinLnBrk="1"/>
-                      <a:r>
-                        <a:rPr lang="ko-KR" altLang="en-US" dirty="0"/>
-                        <a:t>얼마나</a:t>
-                      </a:r>
-                    </a:p>
-                  </a:txBody>
-                  <a:tcPr/>
-                </a:tc>
-                <a:extLst>
-                  <a:ext uri="{0D108BD9-81ED-4DB2-BD59-A6C34878D82A}">
-                    <a16:rowId xmlns:a16="http://schemas.microsoft.com/office/drawing/2014/main" val="2804903654"/>
-                  </a:ext>
-                </a:extLst>
-              </a:tr>
-              <a:tr h="403889">
-                <a:tc>
-                  <a:txBody>
-                    <a:bodyPr/>
-                    <a:lstStyle/>
-                    <a:p>
-                      <a:pPr algn="ctr" latinLnBrk="1"/>
-                      <a:r>
-                        <a:rPr lang="ko-KR" altLang="en-US" dirty="0"/>
-                        <a:t>변동 자산 종류</a:t>
-                      </a:r>
-                    </a:p>
-                  </a:txBody>
-                  <a:tcPr/>
-                </a:tc>
-                <a:extLst>
-                  <a:ext uri="{0D108BD9-81ED-4DB2-BD59-A6C34878D82A}">
-                    <a16:rowId xmlns:a16="http://schemas.microsoft.com/office/drawing/2014/main" val="539827965"/>
-                  </a:ext>
-                </a:extLst>
-              </a:tr>
-            </a:tbl>
-          </a:graphicData>
-        </a:graphic>
-      </p:graphicFrame>
-      <p:graphicFrame>
-        <p:nvGraphicFramePr>
-          <p:cNvPr id="59" name="표 39">
-            <a:extLst>
-              <a:ext uri="{FF2B5EF4-FFF2-40B4-BE49-F238E27FC236}">
-                <a16:creationId xmlns:a16="http://schemas.microsoft.com/office/drawing/2014/main" id="{6D6BBF8F-7DD7-4378-AA47-9662B7CE1165}"/>
-              </a:ext>
-            </a:extLst>
-          </p:cNvPr>
-          <p:cNvGraphicFramePr>
-            <a:graphicFrameLocks noGrp="1"/>
-          </p:cNvGraphicFramePr>
-          <p:nvPr>
-            <p:extLst>
-              <p:ext uri="{D42A27DB-BD31-4B8C-83A1-F6EECF244321}">
-                <p14:modId xmlns:p14="http://schemas.microsoft.com/office/powerpoint/2010/main" val="1141195104"/>
-              </p:ext>
-            </p:extLst>
-          </p:nvPr>
-        </p:nvGraphicFramePr>
-        <p:xfrm>
-          <a:off x="2492512" y="1760220"/>
-          <a:ext cx="1198880" cy="1854200"/>
-        </p:xfrm>
-        <a:graphic>
-          <a:graphicData uri="http://schemas.openxmlformats.org/drawingml/2006/table">
-            <a:tbl>
-              <a:tblPr firstRow="1" bandRow="1">
-                <a:tableStyleId>{5C22544A-7EE6-4342-B048-85BDC9FD1C3A}</a:tableStyleId>
-              </a:tblPr>
-              <a:tblGrid>
-                <a:gridCol w="1198880">
-                  <a:extLst>
-                    <a:ext uri="{9D8B030D-6E8A-4147-A177-3AD203B41FA5}">
-                      <a16:colId xmlns:a16="http://schemas.microsoft.com/office/drawing/2014/main" val="1554169727"/>
-                    </a:ext>
-                  </a:extLst>
-                </a:gridCol>
-              </a:tblGrid>
-              <a:tr h="370840">
-                <a:tc>
-                  <a:txBody>
-                    <a:bodyPr/>
-                    <a:lstStyle/>
-                    <a:p>
-                      <a:pPr algn="ctr" latinLnBrk="1"/>
-                      <a:r>
-                        <a:rPr lang="ko-KR" altLang="en-US" dirty="0"/>
-                        <a:t>총 가계부</a:t>
-                      </a:r>
-                    </a:p>
-                  </a:txBody>
-                  <a:tcPr/>
-                </a:tc>
-                <a:extLst>
-                  <a:ext uri="{0D108BD9-81ED-4DB2-BD59-A6C34878D82A}">
-                    <a16:rowId xmlns:a16="http://schemas.microsoft.com/office/drawing/2014/main" val="506285849"/>
-                  </a:ext>
-                </a:extLst>
-              </a:tr>
-              <a:tr h="370840">
-                <a:tc>
-                  <a:txBody>
-                    <a:bodyPr/>
-                    <a:lstStyle/>
-                    <a:p>
-                      <a:pPr algn="ctr" latinLnBrk="1"/>
-                      <a:r>
-                        <a:rPr lang="ko-KR" altLang="en-US" dirty="0"/>
-                        <a:t>주인</a:t>
-                      </a:r>
-                    </a:p>
-                  </a:txBody>
-                  <a:tcPr/>
-                </a:tc>
-                <a:extLst>
-                  <a:ext uri="{0D108BD9-81ED-4DB2-BD59-A6C34878D82A}">
-                    <a16:rowId xmlns:a16="http://schemas.microsoft.com/office/drawing/2014/main" val="423972439"/>
-                  </a:ext>
-                </a:extLst>
-              </a:tr>
-              <a:tr h="370840">
-                <a:tc>
-                  <a:txBody>
-                    <a:bodyPr/>
-                    <a:lstStyle/>
-                    <a:p>
-                      <a:pPr algn="ctr" latinLnBrk="1"/>
-                      <a:r>
-                        <a:rPr lang="ko-KR" altLang="en-US" dirty="0"/>
-                        <a:t>연별 수입</a:t>
-                      </a:r>
-                    </a:p>
-                  </a:txBody>
-                  <a:tcPr/>
-                </a:tc>
-                <a:extLst>
-                  <a:ext uri="{0D108BD9-81ED-4DB2-BD59-A6C34878D82A}">
-                    <a16:rowId xmlns:a16="http://schemas.microsoft.com/office/drawing/2014/main" val="1695620317"/>
-                  </a:ext>
-                </a:extLst>
-              </a:tr>
-              <a:tr h="370840">
-                <a:tc>
-                  <a:txBody>
-                    <a:bodyPr/>
-                    <a:lstStyle/>
-                    <a:p>
-                      <a:pPr algn="ctr" latinLnBrk="1"/>
-                      <a:r>
-                        <a:rPr lang="ko-KR" altLang="en-US" dirty="0"/>
-                        <a:t>연별 지출</a:t>
-                      </a:r>
-                      <a:endParaRPr lang="en-US" altLang="ko-KR" dirty="0"/>
-                    </a:p>
-                  </a:txBody>
-                  <a:tcPr/>
-                </a:tc>
-                <a:extLst>
-                  <a:ext uri="{0D108BD9-81ED-4DB2-BD59-A6C34878D82A}">
-                    <a16:rowId xmlns:a16="http://schemas.microsoft.com/office/drawing/2014/main" val="4047485892"/>
-                  </a:ext>
-                </a:extLst>
-              </a:tr>
-              <a:tr h="370840">
-                <a:tc>
-                  <a:txBody>
-                    <a:bodyPr/>
-                    <a:lstStyle/>
-                    <a:p>
-                      <a:pPr algn="ctr" latinLnBrk="1"/>
-                      <a:r>
-                        <a:rPr lang="ko-KR" altLang="en-US" dirty="0"/>
-                        <a:t>연별 합계</a:t>
-                      </a:r>
-                    </a:p>
-                  </a:txBody>
-                  <a:tcPr/>
-                </a:tc>
-                <a:extLst>
-                  <a:ext uri="{0D108BD9-81ED-4DB2-BD59-A6C34878D82A}">
-                    <a16:rowId xmlns:a16="http://schemas.microsoft.com/office/drawing/2014/main" val="2358193641"/>
-                  </a:ext>
-                </a:extLst>
-              </a:tr>
-            </a:tbl>
-          </a:graphicData>
-        </a:graphic>
-      </p:graphicFrame>
       <p:cxnSp>
         <p:nvCxnSpPr>
-          <p:cNvPr id="61" name="직선 연결선 60">
-            <a:extLst>
-              <a:ext uri="{FF2B5EF4-FFF2-40B4-BE49-F238E27FC236}">
-                <a16:creationId xmlns:a16="http://schemas.microsoft.com/office/drawing/2014/main" id="{F6B3E6F4-4792-49A6-8971-3EBCF9B26732}"/>
+          <p:cNvPr id="35" name="직선 연결선 34">
+            <a:extLst>
+              <a:ext uri="{FF2B5EF4-FFF2-40B4-BE49-F238E27FC236}">
+                <a16:creationId xmlns:a16="http://schemas.microsoft.com/office/drawing/2014/main" id="{C8D86881-EE32-4DE0-A102-AE6282C6418F}"/>
               </a:ext>
             </a:extLst>
           </p:cNvPr>
           <p:cNvCxnSpPr>
             <a:cxnSpLocks/>
-            <a:stCxn id="59" idx="3"/>
+            <a:stCxn id="2" idx="3"/>
             <a:endCxn id="39" idx="1"/>
           </p:cNvCxnSpPr>
           <p:nvPr/>
         </p:nvCxnSpPr>
         <p:spPr>
-          <a:xfrm>
-            <a:off x="3691392" y="2687320"/>
-            <a:ext cx="1339997" cy="0"/>
+          <a:xfrm flipV="1">
+            <a:off x="1300545" y="1022492"/>
+            <a:ext cx="1726209" cy="2363466"/>
           </a:xfrm>
           <a:prstGeom prst="line">
             <a:avLst/>
@@ -4991,62 +5968,26 @@
           </a:fontRef>
         </p:style>
       </p:cxnSp>
-      <p:sp>
-        <p:nvSpPr>
-          <p:cNvPr id="63" name="TextBox 62">
-            <a:extLst>
-              <a:ext uri="{FF2B5EF4-FFF2-40B4-BE49-F238E27FC236}">
-                <a16:creationId xmlns:a16="http://schemas.microsoft.com/office/drawing/2014/main" id="{BB63E47A-9BC2-46E5-84D9-8A3DE0FFDB0D}"/>
-              </a:ext>
-            </a:extLst>
-          </p:cNvPr>
-          <p:cNvSpPr txBox="1"/>
-          <p:nvPr/>
-        </p:nvSpPr>
-        <p:spPr>
-          <a:xfrm>
-            <a:off x="4337254" y="2297833"/>
-            <a:ext cx="744579" cy="369332"/>
-          </a:xfrm>
-          <a:prstGeom prst="rect">
-            <a:avLst/>
-          </a:prstGeom>
-          <a:noFill/>
-        </p:spPr>
-        <p:txBody>
-          <a:bodyPr wrap="square" rtlCol="0">
-            <a:spAutoFit/>
-          </a:bodyPr>
-          <a:lstStyle/>
-          <a:p>
-            <a:r>
-              <a:rPr lang="en-US" altLang="ko-KR" dirty="0"/>
-              <a:t>1…n</a:t>
-            </a:r>
-            <a:endParaRPr lang="ko-KR" altLang="en-US" dirty="0"/>
-          </a:p>
-        </p:txBody>
-      </p:sp>
       <p:cxnSp>
         <p:nvCxnSpPr>
-          <p:cNvPr id="66" name="직선 연결선 65">
-            <a:extLst>
-              <a:ext uri="{FF2B5EF4-FFF2-40B4-BE49-F238E27FC236}">
-                <a16:creationId xmlns:a16="http://schemas.microsoft.com/office/drawing/2014/main" id="{6CF0DAB6-A814-40CD-ADFF-4C7B426904B8}"/>
+          <p:cNvPr id="38" name="직선 연결선 37">
+            <a:extLst>
+              <a:ext uri="{FF2B5EF4-FFF2-40B4-BE49-F238E27FC236}">
+                <a16:creationId xmlns:a16="http://schemas.microsoft.com/office/drawing/2014/main" id="{EC9D84E6-CA63-4842-995F-EB10AC920592}"/>
               </a:ext>
             </a:extLst>
           </p:cNvPr>
           <p:cNvCxnSpPr>
             <a:cxnSpLocks/>
-            <a:stCxn id="41" idx="3"/>
-            <a:endCxn id="44" idx="1"/>
+            <a:stCxn id="2" idx="3"/>
+            <a:endCxn id="30" idx="1"/>
           </p:cNvCxnSpPr>
           <p:nvPr/>
         </p:nvCxnSpPr>
         <p:spPr>
           <a:xfrm>
-            <a:off x="8892550" y="2687320"/>
-            <a:ext cx="1259840" cy="0"/>
+            <a:off x="1300545" y="3385958"/>
+            <a:ext cx="1727087" cy="781499"/>
           </a:xfrm>
           <a:prstGeom prst="line">
             <a:avLst/>
@@ -5067,168 +6008,26 @@
           </a:fontRef>
         </p:style>
       </p:cxnSp>
-      <p:sp>
-        <p:nvSpPr>
-          <p:cNvPr id="69" name="TextBox 68">
-            <a:extLst>
-              <a:ext uri="{FF2B5EF4-FFF2-40B4-BE49-F238E27FC236}">
-                <a16:creationId xmlns:a16="http://schemas.microsoft.com/office/drawing/2014/main" id="{DAE9468D-4161-4FBF-BF27-0A511824F591}"/>
-              </a:ext>
-            </a:extLst>
-          </p:cNvPr>
-          <p:cNvSpPr txBox="1"/>
-          <p:nvPr/>
-        </p:nvSpPr>
-        <p:spPr>
-          <a:xfrm>
-            <a:off x="9522470" y="2317988"/>
-            <a:ext cx="615874" cy="369332"/>
-          </a:xfrm>
-          <a:prstGeom prst="rect">
-            <a:avLst/>
-          </a:prstGeom>
-          <a:noFill/>
-        </p:spPr>
-        <p:txBody>
-          <a:bodyPr wrap="none" rtlCol="0">
-            <a:spAutoFit/>
-          </a:bodyPr>
-          <a:lstStyle/>
-          <a:p>
-            <a:r>
-              <a:rPr lang="en-US" altLang="ko-KR" dirty="0"/>
-              <a:t>0…n</a:t>
-            </a:r>
-            <a:endParaRPr lang="ko-KR" altLang="en-US" dirty="0"/>
-          </a:p>
-        </p:txBody>
-      </p:sp>
-      <p:graphicFrame>
-        <p:nvGraphicFramePr>
-          <p:cNvPr id="74" name="표 74">
-            <a:extLst>
-              <a:ext uri="{FF2B5EF4-FFF2-40B4-BE49-F238E27FC236}">
-                <a16:creationId xmlns:a16="http://schemas.microsoft.com/office/drawing/2014/main" id="{42A6B405-D6D1-4A5E-ACAB-442D35E9A958}"/>
-              </a:ext>
-            </a:extLst>
-          </p:cNvPr>
-          <p:cNvGraphicFramePr>
-            <a:graphicFrameLocks noGrp="1"/>
-          </p:cNvGraphicFramePr>
-          <p:nvPr>
-            <p:extLst>
-              <p:ext uri="{D42A27DB-BD31-4B8C-83A1-F6EECF244321}">
-                <p14:modId xmlns:p14="http://schemas.microsoft.com/office/powerpoint/2010/main" val="110168144"/>
-              </p:ext>
-            </p:extLst>
-          </p:nvPr>
-        </p:nvGraphicFramePr>
-        <p:xfrm>
-          <a:off x="4878661" y="4356100"/>
-          <a:ext cx="1198880" cy="1112520"/>
-        </p:xfrm>
-        <a:graphic>
-          <a:graphicData uri="http://schemas.openxmlformats.org/drawingml/2006/table">
-            <a:tbl>
-              <a:tblPr firstRow="1" bandRow="1">
-                <a:tableStyleId>{5C22544A-7EE6-4342-B048-85BDC9FD1C3A}</a:tableStyleId>
-              </a:tblPr>
-              <a:tblGrid>
-                <a:gridCol w="1198880">
-                  <a:extLst>
-                    <a:ext uri="{9D8B030D-6E8A-4147-A177-3AD203B41FA5}">
-                      <a16:colId xmlns:a16="http://schemas.microsoft.com/office/drawing/2014/main" val="647765574"/>
-                    </a:ext>
-                  </a:extLst>
-                </a:gridCol>
-              </a:tblGrid>
-              <a:tr h="370840">
-                <a:tc>
-                  <a:txBody>
-                    <a:bodyPr/>
-                    <a:lstStyle/>
-                    <a:p>
-                      <a:pPr algn="ctr" latinLnBrk="1"/>
-                      <a:r>
-                        <a:rPr lang="ko-KR" altLang="en-US" dirty="0"/>
-                        <a:t>자산</a:t>
-                      </a:r>
-                    </a:p>
-                  </a:txBody>
-                  <a:tcPr/>
-                </a:tc>
-                <a:extLst>
-                  <a:ext uri="{0D108BD9-81ED-4DB2-BD59-A6C34878D82A}">
-                    <a16:rowId xmlns:a16="http://schemas.microsoft.com/office/drawing/2014/main" val="911748543"/>
-                  </a:ext>
-                </a:extLst>
-              </a:tr>
-              <a:tr h="370840">
-                <a:tc>
-                  <a:txBody>
-                    <a:bodyPr/>
-                    <a:lstStyle/>
-                    <a:p>
-                      <a:pPr algn="ctr" latinLnBrk="1"/>
-                      <a:r>
-                        <a:rPr lang="ko-KR" altLang="en-US" dirty="0"/>
-                        <a:t>이름</a:t>
-                      </a:r>
-                    </a:p>
-                  </a:txBody>
-                  <a:tcPr/>
-                </a:tc>
-                <a:extLst>
-                  <a:ext uri="{0D108BD9-81ED-4DB2-BD59-A6C34878D82A}">
-                    <a16:rowId xmlns:a16="http://schemas.microsoft.com/office/drawing/2014/main" val="369110371"/>
-                  </a:ext>
-                </a:extLst>
-              </a:tr>
-              <a:tr h="370840">
-                <a:tc>
-                  <a:txBody>
-                    <a:bodyPr/>
-                    <a:lstStyle/>
-                    <a:p>
-                      <a:pPr algn="ctr" latinLnBrk="1"/>
-                      <a:r>
-                        <a:rPr lang="ko-KR" altLang="en-US" dirty="0"/>
-                        <a:t>가치</a:t>
-                      </a:r>
-                    </a:p>
-                  </a:txBody>
-                  <a:tcPr/>
-                </a:tc>
-                <a:extLst>
-                  <a:ext uri="{0D108BD9-81ED-4DB2-BD59-A6C34878D82A}">
-                    <a16:rowId xmlns:a16="http://schemas.microsoft.com/office/drawing/2014/main" val="779737130"/>
-                  </a:ext>
-                </a:extLst>
-              </a:tr>
-            </a:tbl>
-          </a:graphicData>
-        </a:graphic>
-      </p:graphicFrame>
       <p:cxnSp>
         <p:nvCxnSpPr>
-          <p:cNvPr id="76" name="직선 연결선 75">
-            <a:extLst>
-              <a:ext uri="{FF2B5EF4-FFF2-40B4-BE49-F238E27FC236}">
-                <a16:creationId xmlns:a16="http://schemas.microsoft.com/office/drawing/2014/main" id="{BCFA26B8-CC8D-4495-875F-8F315C100DE7}"/>
+          <p:cNvPr id="58" name="직선 연결선 57">
+            <a:extLst>
+              <a:ext uri="{FF2B5EF4-FFF2-40B4-BE49-F238E27FC236}">
+                <a16:creationId xmlns:a16="http://schemas.microsoft.com/office/drawing/2014/main" id="{D92265A3-1103-4D8F-A9CA-F7EA80A5CE2C}"/>
               </a:ext>
             </a:extLst>
           </p:cNvPr>
           <p:cNvCxnSpPr>
             <a:cxnSpLocks/>
-            <a:stCxn id="59" idx="3"/>
-            <a:endCxn id="74" idx="1"/>
+            <a:stCxn id="2" idx="3"/>
+            <a:endCxn id="59" idx="1"/>
           </p:cNvCxnSpPr>
           <p:nvPr/>
         </p:nvCxnSpPr>
         <p:spPr>
           <a:xfrm>
-            <a:off x="3691392" y="2687320"/>
-            <a:ext cx="1187269" cy="2225040"/>
+            <a:off x="1300545" y="3385958"/>
+            <a:ext cx="1727087" cy="2761470"/>
           </a:xfrm>
           <a:prstGeom prst="line">
             <a:avLst/>
@@ -5249,197 +6048,26 @@
           </a:fontRef>
         </p:style>
       </p:cxnSp>
-      <p:sp>
-        <p:nvSpPr>
-          <p:cNvPr id="78" name="TextBox 77">
-            <a:extLst>
-              <a:ext uri="{FF2B5EF4-FFF2-40B4-BE49-F238E27FC236}">
-                <a16:creationId xmlns:a16="http://schemas.microsoft.com/office/drawing/2014/main" id="{7AC5C18F-0C17-4366-9159-5661403F3524}"/>
-              </a:ext>
-            </a:extLst>
-          </p:cNvPr>
-          <p:cNvSpPr txBox="1"/>
-          <p:nvPr/>
-        </p:nvSpPr>
-        <p:spPr>
-          <a:xfrm>
-            <a:off x="4188824" y="4528457"/>
-            <a:ext cx="615874" cy="369332"/>
-          </a:xfrm>
-          <a:prstGeom prst="rect">
-            <a:avLst/>
-          </a:prstGeom>
-          <a:noFill/>
-        </p:spPr>
-        <p:txBody>
-          <a:bodyPr wrap="none" rtlCol="0">
-            <a:spAutoFit/>
-          </a:bodyPr>
-          <a:lstStyle/>
-          <a:p>
-            <a:r>
-              <a:rPr lang="en-US" altLang="ko-KR" dirty="0"/>
-              <a:t>1…n</a:t>
-            </a:r>
-            <a:endParaRPr lang="ko-KR" altLang="en-US" dirty="0"/>
-          </a:p>
-        </p:txBody>
-      </p:sp>
-      <p:sp>
-        <p:nvSpPr>
-          <p:cNvPr id="79" name="TextBox 78">
-            <a:extLst>
-              <a:ext uri="{FF2B5EF4-FFF2-40B4-BE49-F238E27FC236}">
-                <a16:creationId xmlns:a16="http://schemas.microsoft.com/office/drawing/2014/main" id="{065FFDA4-26B6-44AB-AE5C-64E055304362}"/>
-              </a:ext>
-            </a:extLst>
-          </p:cNvPr>
-          <p:cNvSpPr txBox="1"/>
-          <p:nvPr/>
-        </p:nvSpPr>
-        <p:spPr>
-          <a:xfrm>
-            <a:off x="3698708" y="182880"/>
-            <a:ext cx="2194832" cy="369332"/>
-          </a:xfrm>
-          <a:prstGeom prst="rect">
-            <a:avLst/>
-          </a:prstGeom>
-          <a:noFill/>
-        </p:spPr>
-        <p:txBody>
-          <a:bodyPr wrap="none" rtlCol="0">
-            <a:spAutoFit/>
-          </a:bodyPr>
-          <a:lstStyle/>
-          <a:p>
-            <a:r>
-              <a:rPr lang="ko-KR" altLang="en-US" dirty="0"/>
-              <a:t>가계부 도메인 모델</a:t>
-            </a:r>
-          </a:p>
-        </p:txBody>
-      </p:sp>
-      <p:graphicFrame>
-        <p:nvGraphicFramePr>
-          <p:cNvPr id="2" name="표 2">
-            <a:extLst>
-              <a:ext uri="{FF2B5EF4-FFF2-40B4-BE49-F238E27FC236}">
-                <a16:creationId xmlns:a16="http://schemas.microsoft.com/office/drawing/2014/main" id="{37A2E3ED-00B0-4B42-A961-ECBAE59789FD}"/>
-              </a:ext>
-            </a:extLst>
-          </p:cNvPr>
-          <p:cNvGraphicFramePr>
-            <a:graphicFrameLocks noGrp="1"/>
-          </p:cNvGraphicFramePr>
-          <p:nvPr>
-            <p:extLst>
-              <p:ext uri="{D42A27DB-BD31-4B8C-83A1-F6EECF244321}">
-                <p14:modId xmlns:p14="http://schemas.microsoft.com/office/powerpoint/2010/main" val="3703015899"/>
-              </p:ext>
-            </p:extLst>
-          </p:nvPr>
-        </p:nvGraphicFramePr>
-        <p:xfrm>
-          <a:off x="120168" y="1741573"/>
-          <a:ext cx="1726482" cy="1112520"/>
-        </p:xfrm>
-        <a:graphic>
-          <a:graphicData uri="http://schemas.openxmlformats.org/drawingml/2006/table">
-            <a:tbl>
-              <a:tblPr firstRow="1" bandRow="1">
-                <a:tableStyleId>{5C22544A-7EE6-4342-B048-85BDC9FD1C3A}</a:tableStyleId>
-              </a:tblPr>
-              <a:tblGrid>
-                <a:gridCol w="1726482">
-                  <a:extLst>
-                    <a:ext uri="{9D8B030D-6E8A-4147-A177-3AD203B41FA5}">
-                      <a16:colId xmlns:a16="http://schemas.microsoft.com/office/drawing/2014/main" val="1211878270"/>
-                    </a:ext>
-                  </a:extLst>
-                </a:gridCol>
-              </a:tblGrid>
-              <a:tr h="370840">
-                <a:tc>
-                  <a:txBody>
-                    <a:bodyPr/>
-                    <a:lstStyle/>
-                    <a:p>
-                      <a:pPr latinLnBrk="1"/>
-                      <a:r>
-                        <a:rPr lang="ko-KR" altLang="en-US" dirty="0"/>
-                        <a:t>가계부 저장소</a:t>
-                      </a:r>
-                    </a:p>
-                  </a:txBody>
-                  <a:tcPr/>
-                </a:tc>
-                <a:extLst>
-                  <a:ext uri="{0D108BD9-81ED-4DB2-BD59-A6C34878D82A}">
-                    <a16:rowId xmlns:a16="http://schemas.microsoft.com/office/drawing/2014/main" val="186799803"/>
-                  </a:ext>
-                </a:extLst>
-              </a:tr>
-              <a:tr h="370840">
-                <a:tc>
-                  <a:txBody>
-                    <a:bodyPr/>
-                    <a:lstStyle/>
-                    <a:p>
-                      <a:pPr latinLnBrk="1"/>
-                      <a:endParaRPr lang="ko-KR" altLang="en-US" dirty="0"/>
-                    </a:p>
-                  </a:txBody>
-                  <a:tcPr/>
-                </a:tc>
-                <a:extLst>
-                  <a:ext uri="{0D108BD9-81ED-4DB2-BD59-A6C34878D82A}">
-                    <a16:rowId xmlns:a16="http://schemas.microsoft.com/office/drawing/2014/main" val="2076583703"/>
-                  </a:ext>
-                </a:extLst>
-              </a:tr>
-              <a:tr h="370840">
-                <a:tc>
-                  <a:txBody>
-                    <a:bodyPr/>
-                    <a:lstStyle/>
-                    <a:p>
-                      <a:pPr latinLnBrk="1"/>
-                      <a:endParaRPr lang="ko-KR" altLang="en-US" dirty="0"/>
-                    </a:p>
-                  </a:txBody>
-                  <a:tcPr/>
-                </a:tc>
-                <a:extLst>
-                  <a:ext uri="{0D108BD9-81ED-4DB2-BD59-A6C34878D82A}">
-                    <a16:rowId xmlns:a16="http://schemas.microsoft.com/office/drawing/2014/main" val="2460838815"/>
-                  </a:ext>
-                </a:extLst>
-              </a:tr>
-            </a:tbl>
-          </a:graphicData>
-        </a:graphic>
-      </p:graphicFrame>
       <p:cxnSp>
         <p:nvCxnSpPr>
-          <p:cNvPr id="4" name="직선 연결선 3">
-            <a:extLst>
-              <a:ext uri="{FF2B5EF4-FFF2-40B4-BE49-F238E27FC236}">
-                <a16:creationId xmlns:a16="http://schemas.microsoft.com/office/drawing/2014/main" id="{73B08628-33D1-4DFF-9E0D-D46DC50A54C1}"/>
+          <p:cNvPr id="62" name="직선 연결선 61">
+            <a:extLst>
+              <a:ext uri="{FF2B5EF4-FFF2-40B4-BE49-F238E27FC236}">
+                <a16:creationId xmlns:a16="http://schemas.microsoft.com/office/drawing/2014/main" id="{B34CEAFA-9AD9-405C-97AC-4D2CDFA8F966}"/>
               </a:ext>
             </a:extLst>
           </p:cNvPr>
           <p:cNvCxnSpPr>
             <a:cxnSpLocks/>
-            <a:stCxn id="2" idx="3"/>
-            <a:endCxn id="59" idx="1"/>
+            <a:stCxn id="2" idx="2"/>
+            <a:endCxn id="44" idx="0"/>
           </p:cNvCxnSpPr>
           <p:nvPr/>
         </p:nvCxnSpPr>
         <p:spPr>
           <a:xfrm>
-            <a:off x="1846650" y="2297833"/>
-            <a:ext cx="645862" cy="389487"/>
+            <a:off x="778545" y="3571378"/>
+            <a:ext cx="0" cy="1378351"/>
           </a:xfrm>
           <a:prstGeom prst="line">
             <a:avLst/>
@@ -5460,12 +6088,92 @@
           </a:fontRef>
         </p:style>
       </p:cxnSp>
-      <p:sp>
-        <p:nvSpPr>
-          <p:cNvPr id="20" name="TextBox 19">
-            <a:extLst>
-              <a:ext uri="{FF2B5EF4-FFF2-40B4-BE49-F238E27FC236}">
-                <a16:creationId xmlns:a16="http://schemas.microsoft.com/office/drawing/2014/main" id="{184E6F7C-C7E1-4F3D-8483-1039313C110F}"/>
+      <p:cxnSp>
+        <p:nvCxnSpPr>
+          <p:cNvPr id="64" name="직선 연결선 63">
+            <a:extLst>
+              <a:ext uri="{FF2B5EF4-FFF2-40B4-BE49-F238E27FC236}">
+                <a16:creationId xmlns:a16="http://schemas.microsoft.com/office/drawing/2014/main" id="{09ACB3DD-D9E7-4388-AFC9-B88EF38A699D}"/>
+              </a:ext>
+            </a:extLst>
+          </p:cNvPr>
+          <p:cNvCxnSpPr>
+            <a:cxnSpLocks/>
+            <a:stCxn id="59" idx="3"/>
+            <a:endCxn id="74" idx="1"/>
+          </p:cNvCxnSpPr>
+          <p:nvPr/>
+        </p:nvCxnSpPr>
+        <p:spPr>
+          <a:xfrm flipV="1">
+            <a:off x="4071632" y="6147427"/>
+            <a:ext cx="900801" cy="1"/>
+          </a:xfrm>
+          <a:prstGeom prst="line">
+            <a:avLst/>
+          </a:prstGeom>
+        </p:spPr>
+        <p:style>
+          <a:lnRef idx="1">
+            <a:schemeClr val="accent1"/>
+          </a:lnRef>
+          <a:fillRef idx="0">
+            <a:schemeClr val="accent1"/>
+          </a:fillRef>
+          <a:effectRef idx="0">
+            <a:schemeClr val="accent1"/>
+          </a:effectRef>
+          <a:fontRef idx="minor">
+            <a:schemeClr val="tx1"/>
+          </a:fontRef>
+        </p:style>
+      </p:cxnSp>
+      <p:cxnSp>
+        <p:nvCxnSpPr>
+          <p:cNvPr id="72" name="직선 연결선 71">
+            <a:extLst>
+              <a:ext uri="{FF2B5EF4-FFF2-40B4-BE49-F238E27FC236}">
+                <a16:creationId xmlns:a16="http://schemas.microsoft.com/office/drawing/2014/main" id="{2AD5AAAB-664E-4271-A164-B11182C1158F}"/>
+              </a:ext>
+            </a:extLst>
+          </p:cNvPr>
+          <p:cNvCxnSpPr>
+            <a:cxnSpLocks/>
+            <a:stCxn id="44" idx="2"/>
+            <a:endCxn id="29" idx="0"/>
+          </p:cNvCxnSpPr>
+          <p:nvPr/>
+        </p:nvCxnSpPr>
+        <p:spPr>
+          <a:xfrm>
+            <a:off x="778545" y="6472529"/>
+            <a:ext cx="909" cy="524911"/>
+          </a:xfrm>
+          <a:prstGeom prst="line">
+            <a:avLst/>
+          </a:prstGeom>
+        </p:spPr>
+        <p:style>
+          <a:lnRef idx="1">
+            <a:schemeClr val="accent1"/>
+          </a:lnRef>
+          <a:fillRef idx="0">
+            <a:schemeClr val="accent1"/>
+          </a:fillRef>
+          <a:effectRef idx="0">
+            <a:schemeClr val="accent1"/>
+          </a:effectRef>
+          <a:fontRef idx="minor">
+            <a:schemeClr val="tx1"/>
+          </a:fontRef>
+        </p:style>
+      </p:cxnSp>
+      <p:sp>
+        <p:nvSpPr>
+          <p:cNvPr id="77" name="TextBox 76">
+            <a:extLst>
+              <a:ext uri="{FF2B5EF4-FFF2-40B4-BE49-F238E27FC236}">
+                <a16:creationId xmlns:a16="http://schemas.microsoft.com/office/drawing/2014/main" id="{5F5BED19-E4EC-4955-9E2E-1042BF654C5C}"/>
               </a:ext>
             </a:extLst>
           </p:cNvPr>
@@ -5474,8 +6182,8 @@
         </p:nvSpPr>
         <p:spPr>
           <a:xfrm>
-            <a:off x="1874235" y="2502654"/>
-            <a:ext cx="632324" cy="369332"/>
+            <a:off x="821120" y="6537546"/>
+            <a:ext cx="817468" cy="369332"/>
           </a:xfrm>
           <a:prstGeom prst="rect">
             <a:avLst/>
@@ -5483,14 +6191,50 @@
           <a:noFill/>
         </p:spPr>
         <p:txBody>
-          <a:bodyPr wrap="square" rtlCol="0">
+          <a:bodyPr wrap="none" rtlCol="0">
             <a:spAutoFit/>
           </a:bodyPr>
           <a:lstStyle/>
           <a:p>
             <a:r>
               <a:rPr lang="en-US" altLang="ko-KR" dirty="0"/>
-              <a:t>1…n</a:t>
+              <a:t>create</a:t>
+            </a:r>
+            <a:endParaRPr lang="ko-KR" altLang="en-US" dirty="0"/>
+          </a:p>
+        </p:txBody>
+      </p:sp>
+      <p:sp>
+        <p:nvSpPr>
+          <p:cNvPr id="80" name="TextBox 79">
+            <a:extLst>
+              <a:ext uri="{FF2B5EF4-FFF2-40B4-BE49-F238E27FC236}">
+                <a16:creationId xmlns:a16="http://schemas.microsoft.com/office/drawing/2014/main" id="{81FA81FC-06C8-4BEE-99FD-C33F4D89EBC8}"/>
+              </a:ext>
+            </a:extLst>
+          </p:cNvPr>
+          <p:cNvSpPr txBox="1"/>
+          <p:nvPr/>
+        </p:nvSpPr>
+        <p:spPr>
+          <a:xfrm>
+            <a:off x="4124460" y="5711129"/>
+            <a:ext cx="817468" cy="369332"/>
+          </a:xfrm>
+          <a:prstGeom prst="rect">
+            <a:avLst/>
+          </a:prstGeom>
+          <a:noFill/>
+        </p:spPr>
+        <p:txBody>
+          <a:bodyPr wrap="none" rtlCol="0">
+            <a:spAutoFit/>
+          </a:bodyPr>
+          <a:lstStyle/>
+          <a:p>
+            <a:r>
+              <a:rPr lang="en-US" altLang="ko-KR" dirty="0"/>
+              <a:t>create</a:t>
             </a:r>
             <a:endParaRPr lang="ko-KR" altLang="en-US" dirty="0"/>
           </a:p>
@@ -5526,52 +6270,12 @@
           <a:chExt cx="0" cy="0"/>
         </a:xfrm>
       </p:grpSpPr>
-      <p:cxnSp>
-        <p:nvCxnSpPr>
-          <p:cNvPr id="31" name="직선 연결선 30">
-            <a:extLst>
-              <a:ext uri="{FF2B5EF4-FFF2-40B4-BE49-F238E27FC236}">
-                <a16:creationId xmlns:a16="http://schemas.microsoft.com/office/drawing/2014/main" id="{CB21E6DD-3366-4309-867C-2071F548207F}"/>
-              </a:ext>
-            </a:extLst>
-          </p:cNvPr>
-          <p:cNvCxnSpPr>
-            <a:cxnSpLocks/>
-            <a:stCxn id="39" idx="3"/>
-            <a:endCxn id="41" idx="1"/>
-          </p:cNvCxnSpPr>
-          <p:nvPr/>
-        </p:nvCxnSpPr>
-        <p:spPr>
-          <a:xfrm>
-            <a:off x="8288871" y="2131060"/>
-            <a:ext cx="850424" cy="0"/>
-          </a:xfrm>
-          <a:prstGeom prst="line">
-            <a:avLst/>
-          </a:prstGeom>
-        </p:spPr>
-        <p:style>
-          <a:lnRef idx="1">
-            <a:schemeClr val="accent1"/>
-          </a:lnRef>
-          <a:fillRef idx="0">
-            <a:schemeClr val="accent1"/>
-          </a:fillRef>
-          <a:effectRef idx="0">
-            <a:schemeClr val="accent1"/>
-          </a:effectRef>
-          <a:fontRef idx="minor">
-            <a:schemeClr val="tx1"/>
-          </a:fontRef>
-        </p:style>
-      </p:cxnSp>
       <p:graphicFrame>
         <p:nvGraphicFramePr>
-          <p:cNvPr id="39" name="표 39">
-            <a:extLst>
-              <a:ext uri="{FF2B5EF4-FFF2-40B4-BE49-F238E27FC236}">
-                <a16:creationId xmlns:a16="http://schemas.microsoft.com/office/drawing/2014/main" id="{7AF8B48F-A6C6-42CB-A481-4363D5D4FBAB}"/>
+          <p:cNvPr id="59" name="표 39">
+            <a:extLst>
+              <a:ext uri="{FF2B5EF4-FFF2-40B4-BE49-F238E27FC236}">
+                <a16:creationId xmlns:a16="http://schemas.microsoft.com/office/drawing/2014/main" id="{6D6BBF8F-7DD7-4378-AA47-9662B7CE1165}"/>
               </a:ext>
             </a:extLst>
           </p:cNvPr>
@@ -5581,14 +6285,14 @@
           <p:nvPr>
             <p:extLst>
               <p:ext uri="{D42A27DB-BD31-4B8C-83A1-F6EECF244321}">
-                <p14:modId xmlns:p14="http://schemas.microsoft.com/office/powerpoint/2010/main" val="3252001273"/>
+                <p14:modId xmlns:p14="http://schemas.microsoft.com/office/powerpoint/2010/main" val="818922497"/>
               </p:ext>
             </p:extLst>
           </p:nvPr>
         </p:nvGraphicFramePr>
         <p:xfrm>
-          <a:off x="6477013" y="1945640"/>
-          <a:ext cx="1811858" cy="370840"/>
+          <a:off x="4713648" y="1874883"/>
+          <a:ext cx="1550073" cy="370840"/>
         </p:xfrm>
         <a:graphic>
           <a:graphicData uri="http://schemas.openxmlformats.org/drawingml/2006/table">
@@ -5597,7 +6301,7 @@
                 <a:tableStyleId>{5C22544A-7EE6-4342-B048-85BDC9FD1C3A}</a:tableStyleId>
               </a:tblPr>
               <a:tblGrid>
-                <a:gridCol w="1811858">
+                <a:gridCol w="1550073">
                   <a:extLst>
                     <a:ext uri="{9D8B030D-6E8A-4147-A177-3AD203B41FA5}">
                       <a16:colId xmlns:a16="http://schemas.microsoft.com/office/drawing/2014/main" val="1554169727"/>
@@ -5614,7 +6318,7 @@
                       <a:pPr algn="ctr" latinLnBrk="1"/>
                       <a:r>
                         <a:rPr lang="ko-KR" altLang="en-US" dirty="0"/>
-                        <a:t>연 가계부</a:t>
+                        <a:t>자산 관리자</a:t>
                       </a:r>
                     </a:p>
                   </a:txBody>
@@ -5632,10 +6336,10 @@
       </p:graphicFrame>
       <p:graphicFrame>
         <p:nvGraphicFramePr>
-          <p:cNvPr id="41" name="표 39">
-            <a:extLst>
-              <a:ext uri="{FF2B5EF4-FFF2-40B4-BE49-F238E27FC236}">
-                <a16:creationId xmlns:a16="http://schemas.microsoft.com/office/drawing/2014/main" id="{DECA8CBA-58CC-4D9A-A858-214D85ADCB4B}"/>
+          <p:cNvPr id="74" name="표 74">
+            <a:extLst>
+              <a:ext uri="{FF2B5EF4-FFF2-40B4-BE49-F238E27FC236}">
+                <a16:creationId xmlns:a16="http://schemas.microsoft.com/office/drawing/2014/main" id="{42A6B405-D6D1-4A5E-ACAB-442D35E9A958}"/>
               </a:ext>
             </a:extLst>
           </p:cNvPr>
@@ -5645,285 +6349,13 @@
           <p:nvPr>
             <p:extLst>
               <p:ext uri="{D42A27DB-BD31-4B8C-83A1-F6EECF244321}">
-                <p14:modId xmlns:p14="http://schemas.microsoft.com/office/powerpoint/2010/main" val="4204864478"/>
+                <p14:modId xmlns:p14="http://schemas.microsoft.com/office/powerpoint/2010/main" val="2068208044"/>
               </p:ext>
             </p:extLst>
           </p:nvPr>
         </p:nvGraphicFramePr>
         <p:xfrm>
-          <a:off x="9139295" y="1945640"/>
-          <a:ext cx="1814754" cy="370840"/>
-        </p:xfrm>
-        <a:graphic>
-          <a:graphicData uri="http://schemas.openxmlformats.org/drawingml/2006/table">
-            <a:tbl>
-              <a:tblPr firstRow="1" bandRow="1">
-                <a:tableStyleId>{5C22544A-7EE6-4342-B048-85BDC9FD1C3A}</a:tableStyleId>
-              </a:tblPr>
-              <a:tblGrid>
-                <a:gridCol w="1814754">
-                  <a:extLst>
-                    <a:ext uri="{9D8B030D-6E8A-4147-A177-3AD203B41FA5}">
-                      <a16:colId xmlns:a16="http://schemas.microsoft.com/office/drawing/2014/main" val="1554169727"/>
-                    </a:ext>
-                  </a:extLst>
-                </a:gridCol>
-              </a:tblGrid>
-              <a:tr h="370840">
-                <a:tc>
-                  <a:txBody>
-                    <a:bodyPr/>
-                    <a:lstStyle/>
-                    <a:p>
-                      <a:pPr algn="ctr" latinLnBrk="1"/>
-                      <a:r>
-                        <a:rPr lang="ko-KR" altLang="en-US" dirty="0"/>
-                        <a:t>월 가계부</a:t>
-                      </a:r>
-                    </a:p>
-                  </a:txBody>
-                  <a:tcPr/>
-                </a:tc>
-                <a:extLst>
-                  <a:ext uri="{0D108BD9-81ED-4DB2-BD59-A6C34878D82A}">
-                    <a16:rowId xmlns:a16="http://schemas.microsoft.com/office/drawing/2014/main" val="506285849"/>
-                  </a:ext>
-                </a:extLst>
-              </a:tr>
-            </a:tbl>
-          </a:graphicData>
-        </a:graphic>
-      </p:graphicFrame>
-      <p:graphicFrame>
-        <p:nvGraphicFramePr>
-          <p:cNvPr id="44" name="표 44">
-            <a:extLst>
-              <a:ext uri="{FF2B5EF4-FFF2-40B4-BE49-F238E27FC236}">
-                <a16:creationId xmlns:a16="http://schemas.microsoft.com/office/drawing/2014/main" id="{A0AE9223-2101-47B9-A308-1CBD3657DA80}"/>
-              </a:ext>
-            </a:extLst>
-          </p:cNvPr>
-          <p:cNvGraphicFramePr>
-            <a:graphicFrameLocks noGrp="1"/>
-          </p:cNvGraphicFramePr>
-          <p:nvPr>
-            <p:extLst>
-              <p:ext uri="{D42A27DB-BD31-4B8C-83A1-F6EECF244321}">
-                <p14:modId xmlns:p14="http://schemas.microsoft.com/office/powerpoint/2010/main" val="1865474191"/>
-              </p:ext>
-            </p:extLst>
-          </p:nvPr>
-        </p:nvGraphicFramePr>
-        <p:xfrm>
-          <a:off x="9139295" y="3715657"/>
-          <a:ext cx="1903860" cy="370840"/>
-        </p:xfrm>
-        <a:graphic>
-          <a:graphicData uri="http://schemas.openxmlformats.org/drawingml/2006/table">
-            <a:tbl>
-              <a:tblPr firstRow="1" bandRow="1">
-                <a:tableStyleId>{5C22544A-7EE6-4342-B048-85BDC9FD1C3A}</a:tableStyleId>
-              </a:tblPr>
-              <a:tblGrid>
-                <a:gridCol w="1903860">
-                  <a:extLst>
-                    <a:ext uri="{9D8B030D-6E8A-4147-A177-3AD203B41FA5}">
-                      <a16:colId xmlns:a16="http://schemas.microsoft.com/office/drawing/2014/main" val="2742736346"/>
-                    </a:ext>
-                  </a:extLst>
-                </a:gridCol>
-              </a:tblGrid>
-              <a:tr h="370840">
-                <a:tc>
-                  <a:txBody>
-                    <a:bodyPr/>
-                    <a:lstStyle/>
-                    <a:p>
-                      <a:pPr algn="ctr" latinLnBrk="1"/>
-                      <a:r>
-                        <a:rPr lang="ko-KR" altLang="en-US" dirty="0"/>
-                        <a:t>기록</a:t>
-                      </a:r>
-                    </a:p>
-                  </a:txBody>
-                  <a:tcPr/>
-                </a:tc>
-                <a:extLst>
-                  <a:ext uri="{0D108BD9-81ED-4DB2-BD59-A6C34878D82A}">
-                    <a16:rowId xmlns:a16="http://schemas.microsoft.com/office/drawing/2014/main" val="3079763944"/>
-                  </a:ext>
-                </a:extLst>
-              </a:tr>
-            </a:tbl>
-          </a:graphicData>
-        </a:graphic>
-      </p:graphicFrame>
-      <p:graphicFrame>
-        <p:nvGraphicFramePr>
-          <p:cNvPr id="59" name="표 39">
-            <a:extLst>
-              <a:ext uri="{FF2B5EF4-FFF2-40B4-BE49-F238E27FC236}">
-                <a16:creationId xmlns:a16="http://schemas.microsoft.com/office/drawing/2014/main" id="{6D6BBF8F-7DD7-4378-AA47-9662B7CE1165}"/>
-              </a:ext>
-            </a:extLst>
-          </p:cNvPr>
-          <p:cNvGraphicFramePr>
-            <a:graphicFrameLocks noGrp="1"/>
-          </p:cNvGraphicFramePr>
-          <p:nvPr>
-            <p:extLst>
-              <p:ext uri="{D42A27DB-BD31-4B8C-83A1-F6EECF244321}">
-                <p14:modId xmlns:p14="http://schemas.microsoft.com/office/powerpoint/2010/main" val="2950373726"/>
-              </p:ext>
-            </p:extLst>
-          </p:nvPr>
-        </p:nvGraphicFramePr>
-        <p:xfrm>
-          <a:off x="4713649" y="1874883"/>
-          <a:ext cx="1198880" cy="370840"/>
-        </p:xfrm>
-        <a:graphic>
-          <a:graphicData uri="http://schemas.openxmlformats.org/drawingml/2006/table">
-            <a:tbl>
-              <a:tblPr firstRow="1" bandRow="1">
-                <a:tableStyleId>{5C22544A-7EE6-4342-B048-85BDC9FD1C3A}</a:tableStyleId>
-              </a:tblPr>
-              <a:tblGrid>
-                <a:gridCol w="1198880">
-                  <a:extLst>
-                    <a:ext uri="{9D8B030D-6E8A-4147-A177-3AD203B41FA5}">
-                      <a16:colId xmlns:a16="http://schemas.microsoft.com/office/drawing/2014/main" val="1554169727"/>
-                    </a:ext>
-                  </a:extLst>
-                </a:gridCol>
-              </a:tblGrid>
-              <a:tr h="370840">
-                <a:tc>
-                  <a:txBody>
-                    <a:bodyPr/>
-                    <a:lstStyle/>
-                    <a:p>
-                      <a:pPr algn="ctr" latinLnBrk="1"/>
-                      <a:r>
-                        <a:rPr lang="ko-KR" altLang="en-US" dirty="0"/>
-                        <a:t>가계부</a:t>
-                      </a:r>
-                    </a:p>
-                  </a:txBody>
-                  <a:tcPr/>
-                </a:tc>
-                <a:extLst>
-                  <a:ext uri="{0D108BD9-81ED-4DB2-BD59-A6C34878D82A}">
-                    <a16:rowId xmlns:a16="http://schemas.microsoft.com/office/drawing/2014/main" val="506285849"/>
-                  </a:ext>
-                </a:extLst>
-              </a:tr>
-            </a:tbl>
-          </a:graphicData>
-        </a:graphic>
-      </p:graphicFrame>
-      <p:cxnSp>
-        <p:nvCxnSpPr>
-          <p:cNvPr id="61" name="직선 연결선 60">
-            <a:extLst>
-              <a:ext uri="{FF2B5EF4-FFF2-40B4-BE49-F238E27FC236}">
-                <a16:creationId xmlns:a16="http://schemas.microsoft.com/office/drawing/2014/main" id="{F6B3E6F4-4792-49A6-8971-3EBCF9B26732}"/>
-              </a:ext>
-            </a:extLst>
-          </p:cNvPr>
-          <p:cNvCxnSpPr>
-            <a:cxnSpLocks/>
-            <a:stCxn id="59" idx="3"/>
-            <a:endCxn id="39" idx="1"/>
-          </p:cNvCxnSpPr>
-          <p:nvPr/>
-        </p:nvCxnSpPr>
-        <p:spPr>
-          <a:xfrm>
-            <a:off x="5912529" y="2060303"/>
-            <a:ext cx="564484" cy="70757"/>
-          </a:xfrm>
-          <a:prstGeom prst="line">
-            <a:avLst/>
-          </a:prstGeom>
-        </p:spPr>
-        <p:style>
-          <a:lnRef idx="1">
-            <a:schemeClr val="accent1"/>
-          </a:lnRef>
-          <a:fillRef idx="0">
-            <a:schemeClr val="accent1"/>
-          </a:fillRef>
-          <a:effectRef idx="0">
-            <a:schemeClr val="accent1"/>
-          </a:effectRef>
-          <a:fontRef idx="minor">
-            <a:schemeClr val="tx1"/>
-          </a:fontRef>
-        </p:style>
-      </p:cxnSp>
-      <p:cxnSp>
-        <p:nvCxnSpPr>
-          <p:cNvPr id="66" name="직선 연결선 65">
-            <a:extLst>
-              <a:ext uri="{FF2B5EF4-FFF2-40B4-BE49-F238E27FC236}">
-                <a16:creationId xmlns:a16="http://schemas.microsoft.com/office/drawing/2014/main" id="{6CF0DAB6-A814-40CD-ADFF-4C7B426904B8}"/>
-              </a:ext>
-            </a:extLst>
-          </p:cNvPr>
-          <p:cNvCxnSpPr>
-            <a:cxnSpLocks/>
-            <a:stCxn id="41" idx="2"/>
-            <a:endCxn id="44" idx="0"/>
-          </p:cNvCxnSpPr>
-          <p:nvPr/>
-        </p:nvCxnSpPr>
-        <p:spPr>
-          <a:xfrm>
-            <a:off x="10046672" y="2316480"/>
-            <a:ext cx="44553" cy="1399177"/>
-          </a:xfrm>
-          <a:prstGeom prst="line">
-            <a:avLst/>
-          </a:prstGeom>
-        </p:spPr>
-        <p:style>
-          <a:lnRef idx="1">
-            <a:schemeClr val="accent1"/>
-          </a:lnRef>
-          <a:fillRef idx="0">
-            <a:schemeClr val="accent1"/>
-          </a:fillRef>
-          <a:effectRef idx="0">
-            <a:schemeClr val="accent1"/>
-          </a:effectRef>
-          <a:fontRef idx="minor">
-            <a:schemeClr val="tx1"/>
-          </a:fontRef>
-        </p:style>
-      </p:cxnSp>
-      <p:graphicFrame>
-        <p:nvGraphicFramePr>
-          <p:cNvPr id="74" name="표 74">
-            <a:extLst>
-              <a:ext uri="{FF2B5EF4-FFF2-40B4-BE49-F238E27FC236}">
-                <a16:creationId xmlns:a16="http://schemas.microsoft.com/office/drawing/2014/main" id="{42A6B405-D6D1-4A5E-ACAB-442D35E9A958}"/>
-              </a:ext>
-            </a:extLst>
-          </p:cNvPr>
-          <p:cNvGraphicFramePr>
-            <a:graphicFrameLocks noGrp="1"/>
-          </p:cNvGraphicFramePr>
-          <p:nvPr>
-            <p:extLst>
-              <p:ext uri="{D42A27DB-BD31-4B8C-83A1-F6EECF244321}">
-                <p14:modId xmlns:p14="http://schemas.microsoft.com/office/powerpoint/2010/main" val="3565479992"/>
-              </p:ext>
-            </p:extLst>
-          </p:nvPr>
-        </p:nvGraphicFramePr>
-        <p:xfrm>
-          <a:off x="4713649" y="4086497"/>
+          <a:off x="4913943" y="4086497"/>
           <a:ext cx="1198880" cy="365760"/>
         </p:xfrm>
         <a:graphic>
@@ -6016,7 +6448,7 @@
           <p:nvPr>
             <p:extLst>
               <p:ext uri="{D42A27DB-BD31-4B8C-83A1-F6EECF244321}">
-                <p14:modId xmlns:p14="http://schemas.microsoft.com/office/powerpoint/2010/main" val="2210426224"/>
+                <p14:modId xmlns:p14="http://schemas.microsoft.com/office/powerpoint/2010/main" val="1288953061"/>
               </p:ext>
             </p:extLst>
           </p:nvPr>
@@ -6104,45 +6536,6 @@
           </a:p>
         </p:txBody>
       </p:sp>
-      <p:sp>
-        <p:nvSpPr>
-          <p:cNvPr id="37" name="TextBox 36">
-            <a:extLst>
-              <a:ext uri="{FF2B5EF4-FFF2-40B4-BE49-F238E27FC236}">
-                <a16:creationId xmlns:a16="http://schemas.microsoft.com/office/drawing/2014/main" id="{FC4D79F2-3EEF-472B-820D-4B51441997FF}"/>
-              </a:ext>
-            </a:extLst>
-          </p:cNvPr>
-          <p:cNvSpPr txBox="1"/>
-          <p:nvPr/>
-        </p:nvSpPr>
-        <p:spPr>
-          <a:xfrm>
-            <a:off x="2020773" y="4396040"/>
-            <a:ext cx="1271502" cy="246221"/>
-          </a:xfrm>
-          <a:prstGeom prst="rect">
-            <a:avLst/>
-          </a:prstGeom>
-          <a:noFill/>
-        </p:spPr>
-        <p:txBody>
-          <a:bodyPr wrap="none" rtlCol="0">
-            <a:spAutoFit/>
-          </a:bodyPr>
-          <a:lstStyle/>
-          <a:p>
-            <a:r>
-              <a:rPr lang="en-US" altLang="ko-KR" sz="1000" dirty="0"/>
-              <a:t>1. </a:t>
-            </a:r>
-            <a:r>
-              <a:rPr lang="ko-KR" altLang="en-US" sz="1000" dirty="0"/>
-              <a:t>자산을 추가한다</a:t>
-            </a:r>
-          </a:p>
-        </p:txBody>
-      </p:sp>
       <p:cxnSp>
         <p:nvCxnSpPr>
           <p:cNvPr id="36" name="직선 화살표 연결선 35">
@@ -6349,7 +6742,7 @@
         <p:spPr>
           <a:xfrm>
             <a:off x="1195195" y="2525373"/>
-            <a:ext cx="3118161" cy="400110"/>
+            <a:ext cx="2589170" cy="246221"/>
           </a:xfrm>
           <a:prstGeom prst="rect">
             <a:avLst/>
@@ -6369,20 +6762,6 @@
             <a:r>
               <a:rPr lang="ko-KR" altLang="en-US" sz="1000" dirty="0"/>
               <a:t>가계부 주인 이름이 유효한지 체크한다</a:t>
-            </a:r>
-            <a:r>
-              <a:rPr lang="en-US" altLang="ko-KR" sz="1000" dirty="0"/>
-              <a:t>.</a:t>
-            </a:r>
-          </a:p>
-          <a:p>
-            <a:r>
-              <a:rPr lang="en-US" altLang="ko-KR" sz="1000" dirty="0"/>
-              <a:t>3. </a:t>
-            </a:r>
-            <a:r>
-              <a:rPr lang="ko-KR" altLang="en-US" sz="1000" dirty="0"/>
-              <a:t>가계부 주인에 해당하는 가계부 객체를 생성한다</a:t>
             </a:r>
             <a:r>
               <a:rPr lang="en-US" altLang="ko-KR" sz="1000" dirty="0"/>
@@ -6421,7 +6800,7 @@
           <a:p>
             <a:r>
               <a:rPr lang="en-US" altLang="ko-KR" sz="1000" dirty="0"/>
-              <a:t>4. </a:t>
+              <a:t>3. </a:t>
             </a:r>
             <a:r>
               <a:rPr lang="ko-KR" altLang="en-US" sz="1000" dirty="0"/>
@@ -6454,7 +6833,7 @@
         <p:spPr>
           <a:xfrm>
             <a:off x="3292275" y="2047994"/>
-            <a:ext cx="1421374" cy="12309"/>
+            <a:ext cx="1421373" cy="12309"/>
           </a:xfrm>
           <a:prstGeom prst="straightConnector1">
             <a:avLst/>
@@ -6580,8 +6959,8 @@
         </p:nvCxnSpPr>
         <p:spPr>
           <a:xfrm>
-            <a:off x="5313089" y="2245723"/>
-            <a:ext cx="0" cy="1840774"/>
+            <a:off x="5488684" y="2245723"/>
+            <a:ext cx="24699" cy="1840774"/>
           </a:xfrm>
           <a:prstGeom prst="straightConnector1">
             <a:avLst/>
@@ -6619,7 +6998,7 @@
         </p:nvSpPr>
         <p:spPr>
           <a:xfrm>
-            <a:off x="5227726" y="2985668"/>
+            <a:off x="5628322" y="2985668"/>
             <a:ext cx="684803" cy="246221"/>
           </a:xfrm>
           <a:prstGeom prst="rect">
@@ -6635,7 +7014,7 @@
           <a:p>
             <a:r>
               <a:rPr lang="en-US" altLang="ko-KR" sz="1000" dirty="0"/>
-              <a:t>5. create</a:t>
+              <a:t>4. create</a:t>
             </a:r>
             <a:endParaRPr lang="ko-KR" altLang="en-US" sz="1000" dirty="0"/>
           </a:p>
